--- a/D3-training.pptx
+++ b/D3-training.pptx
@@ -5,14 +5,18 @@
     <p:sldMasterId id="2147483648" r:id="rId1"/>
   </p:sldMasterIdLst>
   <p:notesMasterIdLst>
-    <p:notesMasterId r:id="rId7"/>
+    <p:notesMasterId r:id="rId11"/>
   </p:notesMasterIdLst>
   <p:sldIdLst>
     <p:sldId id="257" r:id="rId2"/>
     <p:sldId id="258" r:id="rId3"/>
-    <p:sldId id="259" r:id="rId4"/>
-    <p:sldId id="262" r:id="rId5"/>
+    <p:sldId id="262" r:id="rId4"/>
+    <p:sldId id="268" r:id="rId5"/>
     <p:sldId id="263" r:id="rId6"/>
+    <p:sldId id="264" r:id="rId7"/>
+    <p:sldId id="265" r:id="rId8"/>
+    <p:sldId id="266" r:id="rId9"/>
+    <p:sldId id="267" r:id="rId10"/>
   </p:sldIdLst>
   <p:sldSz cx="12192000" cy="6858000"/>
   <p:notesSz cx="6858000" cy="9144000"/>
@@ -122,11 +126,7 @@
 <file path=ppt/commentAuthors.xml><?xml version="1.0" encoding="utf-8"?>
 <p:cmAuthorLst xmlns:a="http://schemas.openxmlformats.org/drawingml/2006/main" xmlns:r="http://schemas.openxmlformats.org/officeDocument/2006/relationships" xmlns:p="http://schemas.openxmlformats.org/presentationml/2006/main">
   <p:cmAuthor id="1" name="truong ho" initials="th" lastIdx="1" clrIdx="0">
-    <p:extLst>
-      <p:ext uri="{19B8F6BF-5375-455C-9EA6-DF929625EA0E}">
-        <p15:presenceInfo xmlns:p15="http://schemas.microsoft.com/office/powerpoint/2012/main" userId="truong ho" providerId="None"/>
-      </p:ext>
-    </p:extLst>
+    <p:extLst/>
   </p:cmAuthor>
 </p:cmAuthorLst>
 </file>
@@ -213,7 +213,7 @@
           <a:p>
             <a:fld id="{FE15983B-0081-40F3-8CC4-56FED76DAACE}" type="datetimeFigureOut">
               <a:rPr lang="vi-VN" smtClean="0"/>
-              <a:t>23/12/2019</a:t>
+              <a:t>22/03/2020</a:t>
             </a:fld>
             <a:endParaRPr lang="vi-VN"/>
           </a:p>
@@ -503,7 +503,7 @@
           <p:cNvPr id="2" name="Title 1">
             <a:extLst>
               <a:ext uri="{FF2B5EF4-FFF2-40B4-BE49-F238E27FC236}">
-                <a16:creationId xmlns:a16="http://schemas.microsoft.com/office/drawing/2014/main" id="{31B6F916-0ED2-48D3-B356-1F7FE65EB971}"/>
+                <a16:creationId xmlns:a16="http://schemas.microsoft.com/office/drawing/2014/main" xmlns="" id="{31B6F916-0ED2-48D3-B356-1F7FE65EB971}"/>
               </a:ext>
             </a:extLst>
           </p:cNvPr>
@@ -540,7 +540,7 @@
           <p:cNvPr id="3" name="Subtitle 2">
             <a:extLst>
               <a:ext uri="{FF2B5EF4-FFF2-40B4-BE49-F238E27FC236}">
-                <a16:creationId xmlns:a16="http://schemas.microsoft.com/office/drawing/2014/main" id="{8C326ADE-FF5D-43E2-AC19-D538C4AB70E5}"/>
+                <a16:creationId xmlns:a16="http://schemas.microsoft.com/office/drawing/2014/main" xmlns="" id="{8C326ADE-FF5D-43E2-AC19-D538C4AB70E5}"/>
               </a:ext>
             </a:extLst>
           </p:cNvPr>
@@ -610,7 +610,7 @@
           <p:cNvPr id="4" name="Date Placeholder 3">
             <a:extLst>
               <a:ext uri="{FF2B5EF4-FFF2-40B4-BE49-F238E27FC236}">
-                <a16:creationId xmlns:a16="http://schemas.microsoft.com/office/drawing/2014/main" id="{190FA60A-26B1-416E-9E28-B5B6FCB2F8D6}"/>
+                <a16:creationId xmlns:a16="http://schemas.microsoft.com/office/drawing/2014/main" xmlns="" id="{190FA60A-26B1-416E-9E28-B5B6FCB2F8D6}"/>
               </a:ext>
             </a:extLst>
           </p:cNvPr>
@@ -628,7 +628,7 @@
           <a:p>
             <a:fld id="{0606E6B9-647D-44E7-AC55-189E62264243}" type="datetimeFigureOut">
               <a:rPr lang="en-US" smtClean="0"/>
-              <a:t>12/23/2019</a:t>
+              <a:t>3/22/20</a:t>
             </a:fld>
             <a:endParaRPr lang="en-US"/>
           </a:p>
@@ -639,7 +639,7 @@
           <p:cNvPr id="5" name="Footer Placeholder 4">
             <a:extLst>
               <a:ext uri="{FF2B5EF4-FFF2-40B4-BE49-F238E27FC236}">
-                <a16:creationId xmlns:a16="http://schemas.microsoft.com/office/drawing/2014/main" id="{BE75CFF3-E918-41A3-9192-8E8D3DA56B5F}"/>
+                <a16:creationId xmlns:a16="http://schemas.microsoft.com/office/drawing/2014/main" xmlns="" id="{BE75CFF3-E918-41A3-9192-8E8D3DA56B5F}"/>
               </a:ext>
             </a:extLst>
           </p:cNvPr>
@@ -664,7 +664,7 @@
           <p:cNvPr id="6" name="Slide Number Placeholder 5">
             <a:extLst>
               <a:ext uri="{FF2B5EF4-FFF2-40B4-BE49-F238E27FC236}">
-                <a16:creationId xmlns:a16="http://schemas.microsoft.com/office/drawing/2014/main" id="{FD33FC10-BD75-439E-B6F8-E5BDEAA33505}"/>
+                <a16:creationId xmlns:a16="http://schemas.microsoft.com/office/drawing/2014/main" xmlns="" id="{FD33FC10-BD75-439E-B6F8-E5BDEAA33505}"/>
               </a:ext>
             </a:extLst>
           </p:cNvPr>
@@ -723,7 +723,7 @@
           <p:cNvPr id="2" name="Title 1">
             <a:extLst>
               <a:ext uri="{FF2B5EF4-FFF2-40B4-BE49-F238E27FC236}">
-                <a16:creationId xmlns:a16="http://schemas.microsoft.com/office/drawing/2014/main" id="{2E7D9C60-76EF-4184-BD50-0256A1BD4921}"/>
+                <a16:creationId xmlns:a16="http://schemas.microsoft.com/office/drawing/2014/main" xmlns="" id="{2E7D9C60-76EF-4184-BD50-0256A1BD4921}"/>
               </a:ext>
             </a:extLst>
           </p:cNvPr>
@@ -751,7 +751,7 @@
           <p:cNvPr id="3" name="Vertical Text Placeholder 2">
             <a:extLst>
               <a:ext uri="{FF2B5EF4-FFF2-40B4-BE49-F238E27FC236}">
-                <a16:creationId xmlns:a16="http://schemas.microsoft.com/office/drawing/2014/main" id="{BCBF5090-6860-4B1A-AECC-1B33A91EF0E7}"/>
+                <a16:creationId xmlns:a16="http://schemas.microsoft.com/office/drawing/2014/main" xmlns="" id="{BCBF5090-6860-4B1A-AECC-1B33A91EF0E7}"/>
               </a:ext>
             </a:extLst>
           </p:cNvPr>
@@ -808,7 +808,7 @@
           <p:cNvPr id="4" name="Date Placeholder 3">
             <a:extLst>
               <a:ext uri="{FF2B5EF4-FFF2-40B4-BE49-F238E27FC236}">
-                <a16:creationId xmlns:a16="http://schemas.microsoft.com/office/drawing/2014/main" id="{4DAF9E63-D2EA-4E9E-8BAD-54AEE30714AC}"/>
+                <a16:creationId xmlns:a16="http://schemas.microsoft.com/office/drawing/2014/main" xmlns="" id="{4DAF9E63-D2EA-4E9E-8BAD-54AEE30714AC}"/>
               </a:ext>
             </a:extLst>
           </p:cNvPr>
@@ -826,7 +826,7 @@
           <a:p>
             <a:fld id="{0606E6B9-647D-44E7-AC55-189E62264243}" type="datetimeFigureOut">
               <a:rPr lang="en-US" smtClean="0"/>
-              <a:t>12/23/2019</a:t>
+              <a:t>3/22/20</a:t>
             </a:fld>
             <a:endParaRPr lang="en-US"/>
           </a:p>
@@ -837,7 +837,7 @@
           <p:cNvPr id="5" name="Footer Placeholder 4">
             <a:extLst>
               <a:ext uri="{FF2B5EF4-FFF2-40B4-BE49-F238E27FC236}">
-                <a16:creationId xmlns:a16="http://schemas.microsoft.com/office/drawing/2014/main" id="{C93BE024-6583-4A59-BE72-C70BCAFA51D1}"/>
+                <a16:creationId xmlns:a16="http://schemas.microsoft.com/office/drawing/2014/main" xmlns="" id="{C93BE024-6583-4A59-BE72-C70BCAFA51D1}"/>
               </a:ext>
             </a:extLst>
           </p:cNvPr>
@@ -862,7 +862,7 @@
           <p:cNvPr id="6" name="Slide Number Placeholder 5">
             <a:extLst>
               <a:ext uri="{FF2B5EF4-FFF2-40B4-BE49-F238E27FC236}">
-                <a16:creationId xmlns:a16="http://schemas.microsoft.com/office/drawing/2014/main" id="{C6FEA0B6-2901-438C-8326-12C1025E00E3}"/>
+                <a16:creationId xmlns:a16="http://schemas.microsoft.com/office/drawing/2014/main" xmlns="" id="{C6FEA0B6-2901-438C-8326-12C1025E00E3}"/>
               </a:ext>
             </a:extLst>
           </p:cNvPr>
@@ -921,7 +921,7 @@
           <p:cNvPr id="2" name="Vertical Title 1">
             <a:extLst>
               <a:ext uri="{FF2B5EF4-FFF2-40B4-BE49-F238E27FC236}">
-                <a16:creationId xmlns:a16="http://schemas.microsoft.com/office/drawing/2014/main" id="{1339A6F6-D6D5-4870-8104-897593390DCF}"/>
+                <a16:creationId xmlns:a16="http://schemas.microsoft.com/office/drawing/2014/main" xmlns="" id="{1339A6F6-D6D5-4870-8104-897593390DCF}"/>
               </a:ext>
             </a:extLst>
           </p:cNvPr>
@@ -954,7 +954,7 @@
           <p:cNvPr id="3" name="Vertical Text Placeholder 2">
             <a:extLst>
               <a:ext uri="{FF2B5EF4-FFF2-40B4-BE49-F238E27FC236}">
-                <a16:creationId xmlns:a16="http://schemas.microsoft.com/office/drawing/2014/main" id="{A5AD2359-DF0C-4ED5-8019-B8C70E100624}"/>
+                <a16:creationId xmlns:a16="http://schemas.microsoft.com/office/drawing/2014/main" xmlns="" id="{A5AD2359-DF0C-4ED5-8019-B8C70E100624}"/>
               </a:ext>
             </a:extLst>
           </p:cNvPr>
@@ -1016,7 +1016,7 @@
           <p:cNvPr id="4" name="Date Placeholder 3">
             <a:extLst>
               <a:ext uri="{FF2B5EF4-FFF2-40B4-BE49-F238E27FC236}">
-                <a16:creationId xmlns:a16="http://schemas.microsoft.com/office/drawing/2014/main" id="{01B88CB7-2DA9-416A-9B3E-BD5568A231A8}"/>
+                <a16:creationId xmlns:a16="http://schemas.microsoft.com/office/drawing/2014/main" xmlns="" id="{01B88CB7-2DA9-416A-9B3E-BD5568A231A8}"/>
               </a:ext>
             </a:extLst>
           </p:cNvPr>
@@ -1034,7 +1034,7 @@
           <a:p>
             <a:fld id="{0606E6B9-647D-44E7-AC55-189E62264243}" type="datetimeFigureOut">
               <a:rPr lang="en-US" smtClean="0"/>
-              <a:t>12/23/2019</a:t>
+              <a:t>3/22/20</a:t>
             </a:fld>
             <a:endParaRPr lang="en-US"/>
           </a:p>
@@ -1045,7 +1045,7 @@
           <p:cNvPr id="5" name="Footer Placeholder 4">
             <a:extLst>
               <a:ext uri="{FF2B5EF4-FFF2-40B4-BE49-F238E27FC236}">
-                <a16:creationId xmlns:a16="http://schemas.microsoft.com/office/drawing/2014/main" id="{ADE69E6B-DB04-4832-91A8-CB7EC76A0275}"/>
+                <a16:creationId xmlns:a16="http://schemas.microsoft.com/office/drawing/2014/main" xmlns="" id="{ADE69E6B-DB04-4832-91A8-CB7EC76A0275}"/>
               </a:ext>
             </a:extLst>
           </p:cNvPr>
@@ -1070,7 +1070,7 @@
           <p:cNvPr id="6" name="Slide Number Placeholder 5">
             <a:extLst>
               <a:ext uri="{FF2B5EF4-FFF2-40B4-BE49-F238E27FC236}">
-                <a16:creationId xmlns:a16="http://schemas.microsoft.com/office/drawing/2014/main" id="{5A9C6978-626F-4549-85C6-8096CF8938D4}"/>
+                <a16:creationId xmlns:a16="http://schemas.microsoft.com/office/drawing/2014/main" xmlns="" id="{5A9C6978-626F-4549-85C6-8096CF8938D4}"/>
               </a:ext>
             </a:extLst>
           </p:cNvPr>
@@ -1129,7 +1129,7 @@
           <p:cNvPr id="2" name="Title 1">
             <a:extLst>
               <a:ext uri="{FF2B5EF4-FFF2-40B4-BE49-F238E27FC236}">
-                <a16:creationId xmlns:a16="http://schemas.microsoft.com/office/drawing/2014/main" id="{0BB6938B-95A0-4FE0-BCF5-ADAED417764E}"/>
+                <a16:creationId xmlns:a16="http://schemas.microsoft.com/office/drawing/2014/main" xmlns="" id="{0BB6938B-95A0-4FE0-BCF5-ADAED417764E}"/>
               </a:ext>
             </a:extLst>
           </p:cNvPr>
@@ -1157,7 +1157,7 @@
           <p:cNvPr id="3" name="Content Placeholder 2">
             <a:extLst>
               <a:ext uri="{FF2B5EF4-FFF2-40B4-BE49-F238E27FC236}">
-                <a16:creationId xmlns:a16="http://schemas.microsoft.com/office/drawing/2014/main" id="{1B50DDE8-BBAB-42DD-A5CC-BCC48ACAE713}"/>
+                <a16:creationId xmlns:a16="http://schemas.microsoft.com/office/drawing/2014/main" xmlns="" id="{1B50DDE8-BBAB-42DD-A5CC-BCC48ACAE713}"/>
               </a:ext>
             </a:extLst>
           </p:cNvPr>
@@ -1214,7 +1214,7 @@
           <p:cNvPr id="4" name="Date Placeholder 3">
             <a:extLst>
               <a:ext uri="{FF2B5EF4-FFF2-40B4-BE49-F238E27FC236}">
-                <a16:creationId xmlns:a16="http://schemas.microsoft.com/office/drawing/2014/main" id="{2EABB64C-0454-43E3-88BA-8FB17A01BFC2}"/>
+                <a16:creationId xmlns:a16="http://schemas.microsoft.com/office/drawing/2014/main" xmlns="" id="{2EABB64C-0454-43E3-88BA-8FB17A01BFC2}"/>
               </a:ext>
             </a:extLst>
           </p:cNvPr>
@@ -1232,7 +1232,7 @@
           <a:p>
             <a:fld id="{0606E6B9-647D-44E7-AC55-189E62264243}" type="datetimeFigureOut">
               <a:rPr lang="en-US" smtClean="0"/>
-              <a:t>12/23/2019</a:t>
+              <a:t>3/22/20</a:t>
             </a:fld>
             <a:endParaRPr lang="en-US"/>
           </a:p>
@@ -1243,7 +1243,7 @@
           <p:cNvPr id="5" name="Footer Placeholder 4">
             <a:extLst>
               <a:ext uri="{FF2B5EF4-FFF2-40B4-BE49-F238E27FC236}">
-                <a16:creationId xmlns:a16="http://schemas.microsoft.com/office/drawing/2014/main" id="{56469177-89BD-42A0-8856-0F18B1892631}"/>
+                <a16:creationId xmlns:a16="http://schemas.microsoft.com/office/drawing/2014/main" xmlns="" id="{56469177-89BD-42A0-8856-0F18B1892631}"/>
               </a:ext>
             </a:extLst>
           </p:cNvPr>
@@ -1268,7 +1268,7 @@
           <p:cNvPr id="6" name="Slide Number Placeholder 5">
             <a:extLst>
               <a:ext uri="{FF2B5EF4-FFF2-40B4-BE49-F238E27FC236}">
-                <a16:creationId xmlns:a16="http://schemas.microsoft.com/office/drawing/2014/main" id="{7E2F0AC8-C0E5-477C-87C4-A71982B62ED5}"/>
+                <a16:creationId xmlns:a16="http://schemas.microsoft.com/office/drawing/2014/main" xmlns="" id="{7E2F0AC8-C0E5-477C-87C4-A71982B62ED5}"/>
               </a:ext>
             </a:extLst>
           </p:cNvPr>
@@ -1327,7 +1327,7 @@
           <p:cNvPr id="2" name="Title 1">
             <a:extLst>
               <a:ext uri="{FF2B5EF4-FFF2-40B4-BE49-F238E27FC236}">
-                <a16:creationId xmlns:a16="http://schemas.microsoft.com/office/drawing/2014/main" id="{02B061DE-57D5-401C-8F11-0D3EED9F57B0}"/>
+                <a16:creationId xmlns:a16="http://schemas.microsoft.com/office/drawing/2014/main" xmlns="" id="{02B061DE-57D5-401C-8F11-0D3EED9F57B0}"/>
               </a:ext>
             </a:extLst>
           </p:cNvPr>
@@ -1364,7 +1364,7 @@
           <p:cNvPr id="3" name="Text Placeholder 2">
             <a:extLst>
               <a:ext uri="{FF2B5EF4-FFF2-40B4-BE49-F238E27FC236}">
-                <a16:creationId xmlns:a16="http://schemas.microsoft.com/office/drawing/2014/main" id="{AC28D63A-66C1-46DB-B739-0D9805150AD4}"/>
+                <a16:creationId xmlns:a16="http://schemas.microsoft.com/office/drawing/2014/main" xmlns="" id="{AC28D63A-66C1-46DB-B739-0D9805150AD4}"/>
               </a:ext>
             </a:extLst>
           </p:cNvPr>
@@ -1489,7 +1489,7 @@
           <p:cNvPr id="4" name="Date Placeholder 3">
             <a:extLst>
               <a:ext uri="{FF2B5EF4-FFF2-40B4-BE49-F238E27FC236}">
-                <a16:creationId xmlns:a16="http://schemas.microsoft.com/office/drawing/2014/main" id="{6CE7A4AD-E685-4804-9837-4544EEC6E7F9}"/>
+                <a16:creationId xmlns:a16="http://schemas.microsoft.com/office/drawing/2014/main" xmlns="" id="{6CE7A4AD-E685-4804-9837-4544EEC6E7F9}"/>
               </a:ext>
             </a:extLst>
           </p:cNvPr>
@@ -1507,7 +1507,7 @@
           <a:p>
             <a:fld id="{0606E6B9-647D-44E7-AC55-189E62264243}" type="datetimeFigureOut">
               <a:rPr lang="en-US" smtClean="0"/>
-              <a:t>12/23/2019</a:t>
+              <a:t>3/22/20</a:t>
             </a:fld>
             <a:endParaRPr lang="en-US"/>
           </a:p>
@@ -1518,7 +1518,7 @@
           <p:cNvPr id="5" name="Footer Placeholder 4">
             <a:extLst>
               <a:ext uri="{FF2B5EF4-FFF2-40B4-BE49-F238E27FC236}">
-                <a16:creationId xmlns:a16="http://schemas.microsoft.com/office/drawing/2014/main" id="{4EA6A1B8-7395-4590-9D4E-F79D85B6C34D}"/>
+                <a16:creationId xmlns:a16="http://schemas.microsoft.com/office/drawing/2014/main" xmlns="" id="{4EA6A1B8-7395-4590-9D4E-F79D85B6C34D}"/>
               </a:ext>
             </a:extLst>
           </p:cNvPr>
@@ -1543,7 +1543,7 @@
           <p:cNvPr id="6" name="Slide Number Placeholder 5">
             <a:extLst>
               <a:ext uri="{FF2B5EF4-FFF2-40B4-BE49-F238E27FC236}">
-                <a16:creationId xmlns:a16="http://schemas.microsoft.com/office/drawing/2014/main" id="{356022AC-5853-4B5B-AD0C-8BF42D640060}"/>
+                <a16:creationId xmlns:a16="http://schemas.microsoft.com/office/drawing/2014/main" xmlns="" id="{356022AC-5853-4B5B-AD0C-8BF42D640060}"/>
               </a:ext>
             </a:extLst>
           </p:cNvPr>
@@ -1602,7 +1602,7 @@
           <p:cNvPr id="2" name="Title 1">
             <a:extLst>
               <a:ext uri="{FF2B5EF4-FFF2-40B4-BE49-F238E27FC236}">
-                <a16:creationId xmlns:a16="http://schemas.microsoft.com/office/drawing/2014/main" id="{3CC5688A-130E-44FD-A717-6F5A004B5145}"/>
+                <a16:creationId xmlns:a16="http://schemas.microsoft.com/office/drawing/2014/main" xmlns="" id="{3CC5688A-130E-44FD-A717-6F5A004B5145}"/>
               </a:ext>
             </a:extLst>
           </p:cNvPr>
@@ -1630,7 +1630,7 @@
           <p:cNvPr id="3" name="Content Placeholder 2">
             <a:extLst>
               <a:ext uri="{FF2B5EF4-FFF2-40B4-BE49-F238E27FC236}">
-                <a16:creationId xmlns:a16="http://schemas.microsoft.com/office/drawing/2014/main" id="{D82CE9B6-7D47-4E4F-8231-AD1EC84D56A9}"/>
+                <a16:creationId xmlns:a16="http://schemas.microsoft.com/office/drawing/2014/main" xmlns="" id="{D82CE9B6-7D47-4E4F-8231-AD1EC84D56A9}"/>
               </a:ext>
             </a:extLst>
           </p:cNvPr>
@@ -1692,7 +1692,7 @@
           <p:cNvPr id="4" name="Content Placeholder 3">
             <a:extLst>
               <a:ext uri="{FF2B5EF4-FFF2-40B4-BE49-F238E27FC236}">
-                <a16:creationId xmlns:a16="http://schemas.microsoft.com/office/drawing/2014/main" id="{F945411C-F7F8-4B79-A4F3-44AF5D0E9977}"/>
+                <a16:creationId xmlns:a16="http://schemas.microsoft.com/office/drawing/2014/main" xmlns="" id="{F945411C-F7F8-4B79-A4F3-44AF5D0E9977}"/>
               </a:ext>
             </a:extLst>
           </p:cNvPr>
@@ -1754,7 +1754,7 @@
           <p:cNvPr id="5" name="Date Placeholder 4">
             <a:extLst>
               <a:ext uri="{FF2B5EF4-FFF2-40B4-BE49-F238E27FC236}">
-                <a16:creationId xmlns:a16="http://schemas.microsoft.com/office/drawing/2014/main" id="{1CFC4BDD-F355-41CE-BD00-EEE90590618B}"/>
+                <a16:creationId xmlns:a16="http://schemas.microsoft.com/office/drawing/2014/main" xmlns="" id="{1CFC4BDD-F355-41CE-BD00-EEE90590618B}"/>
               </a:ext>
             </a:extLst>
           </p:cNvPr>
@@ -1772,7 +1772,7 @@
           <a:p>
             <a:fld id="{0606E6B9-647D-44E7-AC55-189E62264243}" type="datetimeFigureOut">
               <a:rPr lang="en-US" smtClean="0"/>
-              <a:t>12/23/2019</a:t>
+              <a:t>3/22/20</a:t>
             </a:fld>
             <a:endParaRPr lang="en-US"/>
           </a:p>
@@ -1783,7 +1783,7 @@
           <p:cNvPr id="6" name="Footer Placeholder 5">
             <a:extLst>
               <a:ext uri="{FF2B5EF4-FFF2-40B4-BE49-F238E27FC236}">
-                <a16:creationId xmlns:a16="http://schemas.microsoft.com/office/drawing/2014/main" id="{D92C9057-8D41-4C35-ADD0-72C545647664}"/>
+                <a16:creationId xmlns:a16="http://schemas.microsoft.com/office/drawing/2014/main" xmlns="" id="{D92C9057-8D41-4C35-ADD0-72C545647664}"/>
               </a:ext>
             </a:extLst>
           </p:cNvPr>
@@ -1808,7 +1808,7 @@
           <p:cNvPr id="7" name="Slide Number Placeholder 6">
             <a:extLst>
               <a:ext uri="{FF2B5EF4-FFF2-40B4-BE49-F238E27FC236}">
-                <a16:creationId xmlns:a16="http://schemas.microsoft.com/office/drawing/2014/main" id="{92247A8D-D49D-4914-903C-A2D7367E04EB}"/>
+                <a16:creationId xmlns:a16="http://schemas.microsoft.com/office/drawing/2014/main" xmlns="" id="{92247A8D-D49D-4914-903C-A2D7367E04EB}"/>
               </a:ext>
             </a:extLst>
           </p:cNvPr>
@@ -1867,7 +1867,7 @@
           <p:cNvPr id="2" name="Title 1">
             <a:extLst>
               <a:ext uri="{FF2B5EF4-FFF2-40B4-BE49-F238E27FC236}">
-                <a16:creationId xmlns:a16="http://schemas.microsoft.com/office/drawing/2014/main" id="{205B4AAA-FE04-409E-8F9B-A1A252767F43}"/>
+                <a16:creationId xmlns:a16="http://schemas.microsoft.com/office/drawing/2014/main" xmlns="" id="{205B4AAA-FE04-409E-8F9B-A1A252767F43}"/>
               </a:ext>
             </a:extLst>
           </p:cNvPr>
@@ -1900,7 +1900,7 @@
           <p:cNvPr id="3" name="Text Placeholder 2">
             <a:extLst>
               <a:ext uri="{FF2B5EF4-FFF2-40B4-BE49-F238E27FC236}">
-                <a16:creationId xmlns:a16="http://schemas.microsoft.com/office/drawing/2014/main" id="{BCA9CD23-67FC-4D72-BBCC-A97B3A56375B}"/>
+                <a16:creationId xmlns:a16="http://schemas.microsoft.com/office/drawing/2014/main" xmlns="" id="{BCA9CD23-67FC-4D72-BBCC-A97B3A56375B}"/>
               </a:ext>
             </a:extLst>
           </p:cNvPr>
@@ -1971,7 +1971,7 @@
           <p:cNvPr id="4" name="Content Placeholder 3">
             <a:extLst>
               <a:ext uri="{FF2B5EF4-FFF2-40B4-BE49-F238E27FC236}">
-                <a16:creationId xmlns:a16="http://schemas.microsoft.com/office/drawing/2014/main" id="{66A950ED-BE79-4044-9CD1-2D60D045039D}"/>
+                <a16:creationId xmlns:a16="http://schemas.microsoft.com/office/drawing/2014/main" xmlns="" id="{66A950ED-BE79-4044-9CD1-2D60D045039D}"/>
               </a:ext>
             </a:extLst>
           </p:cNvPr>
@@ -2033,7 +2033,7 @@
           <p:cNvPr id="5" name="Text Placeholder 4">
             <a:extLst>
               <a:ext uri="{FF2B5EF4-FFF2-40B4-BE49-F238E27FC236}">
-                <a16:creationId xmlns:a16="http://schemas.microsoft.com/office/drawing/2014/main" id="{569A5D91-4338-4297-A8C7-4932546F527E}"/>
+                <a16:creationId xmlns:a16="http://schemas.microsoft.com/office/drawing/2014/main" xmlns="" id="{569A5D91-4338-4297-A8C7-4932546F527E}"/>
               </a:ext>
             </a:extLst>
           </p:cNvPr>
@@ -2104,7 +2104,7 @@
           <p:cNvPr id="6" name="Content Placeholder 5">
             <a:extLst>
               <a:ext uri="{FF2B5EF4-FFF2-40B4-BE49-F238E27FC236}">
-                <a16:creationId xmlns:a16="http://schemas.microsoft.com/office/drawing/2014/main" id="{D8C59FCF-FE0F-4B28-9C3C-A2F992CC230A}"/>
+                <a16:creationId xmlns:a16="http://schemas.microsoft.com/office/drawing/2014/main" xmlns="" id="{D8C59FCF-FE0F-4B28-9C3C-A2F992CC230A}"/>
               </a:ext>
             </a:extLst>
           </p:cNvPr>
@@ -2166,7 +2166,7 @@
           <p:cNvPr id="7" name="Date Placeholder 6">
             <a:extLst>
               <a:ext uri="{FF2B5EF4-FFF2-40B4-BE49-F238E27FC236}">
-                <a16:creationId xmlns:a16="http://schemas.microsoft.com/office/drawing/2014/main" id="{4029266F-2FEC-4373-A0CB-55BDDB2E4D1F}"/>
+                <a16:creationId xmlns:a16="http://schemas.microsoft.com/office/drawing/2014/main" xmlns="" id="{4029266F-2FEC-4373-A0CB-55BDDB2E4D1F}"/>
               </a:ext>
             </a:extLst>
           </p:cNvPr>
@@ -2184,7 +2184,7 @@
           <a:p>
             <a:fld id="{0606E6B9-647D-44E7-AC55-189E62264243}" type="datetimeFigureOut">
               <a:rPr lang="en-US" smtClean="0"/>
-              <a:t>12/23/2019</a:t>
+              <a:t>3/22/20</a:t>
             </a:fld>
             <a:endParaRPr lang="en-US"/>
           </a:p>
@@ -2195,7 +2195,7 @@
           <p:cNvPr id="8" name="Footer Placeholder 7">
             <a:extLst>
               <a:ext uri="{FF2B5EF4-FFF2-40B4-BE49-F238E27FC236}">
-                <a16:creationId xmlns:a16="http://schemas.microsoft.com/office/drawing/2014/main" id="{A547E8E4-A766-41BA-BF7A-3B7D2A73E7F3}"/>
+                <a16:creationId xmlns:a16="http://schemas.microsoft.com/office/drawing/2014/main" xmlns="" id="{A547E8E4-A766-41BA-BF7A-3B7D2A73E7F3}"/>
               </a:ext>
             </a:extLst>
           </p:cNvPr>
@@ -2220,7 +2220,7 @@
           <p:cNvPr id="9" name="Slide Number Placeholder 8">
             <a:extLst>
               <a:ext uri="{FF2B5EF4-FFF2-40B4-BE49-F238E27FC236}">
-                <a16:creationId xmlns:a16="http://schemas.microsoft.com/office/drawing/2014/main" id="{10B6E961-1237-4501-B8C5-BAF4960C7DEC}"/>
+                <a16:creationId xmlns:a16="http://schemas.microsoft.com/office/drawing/2014/main" xmlns="" id="{10B6E961-1237-4501-B8C5-BAF4960C7DEC}"/>
               </a:ext>
             </a:extLst>
           </p:cNvPr>
@@ -2279,7 +2279,7 @@
           <p:cNvPr id="2" name="Title 1">
             <a:extLst>
               <a:ext uri="{FF2B5EF4-FFF2-40B4-BE49-F238E27FC236}">
-                <a16:creationId xmlns:a16="http://schemas.microsoft.com/office/drawing/2014/main" id="{624231B8-84FA-45FD-95A6-8C31D056D8D5}"/>
+                <a16:creationId xmlns:a16="http://schemas.microsoft.com/office/drawing/2014/main" xmlns="" id="{624231B8-84FA-45FD-95A6-8C31D056D8D5}"/>
               </a:ext>
             </a:extLst>
           </p:cNvPr>
@@ -2307,7 +2307,7 @@
           <p:cNvPr id="3" name="Date Placeholder 2">
             <a:extLst>
               <a:ext uri="{FF2B5EF4-FFF2-40B4-BE49-F238E27FC236}">
-                <a16:creationId xmlns:a16="http://schemas.microsoft.com/office/drawing/2014/main" id="{0686FD4B-F926-4B8F-A614-1576661BE729}"/>
+                <a16:creationId xmlns:a16="http://schemas.microsoft.com/office/drawing/2014/main" xmlns="" id="{0686FD4B-F926-4B8F-A614-1576661BE729}"/>
               </a:ext>
             </a:extLst>
           </p:cNvPr>
@@ -2325,7 +2325,7 @@
           <a:p>
             <a:fld id="{0606E6B9-647D-44E7-AC55-189E62264243}" type="datetimeFigureOut">
               <a:rPr lang="en-US" smtClean="0"/>
-              <a:t>12/23/2019</a:t>
+              <a:t>3/22/20</a:t>
             </a:fld>
             <a:endParaRPr lang="en-US"/>
           </a:p>
@@ -2336,7 +2336,7 @@
           <p:cNvPr id="4" name="Footer Placeholder 3">
             <a:extLst>
               <a:ext uri="{FF2B5EF4-FFF2-40B4-BE49-F238E27FC236}">
-                <a16:creationId xmlns:a16="http://schemas.microsoft.com/office/drawing/2014/main" id="{7593B6D7-2824-4A17-9411-0B22582A2789}"/>
+                <a16:creationId xmlns:a16="http://schemas.microsoft.com/office/drawing/2014/main" xmlns="" id="{7593B6D7-2824-4A17-9411-0B22582A2789}"/>
               </a:ext>
             </a:extLst>
           </p:cNvPr>
@@ -2361,7 +2361,7 @@
           <p:cNvPr id="5" name="Slide Number Placeholder 4">
             <a:extLst>
               <a:ext uri="{FF2B5EF4-FFF2-40B4-BE49-F238E27FC236}">
-                <a16:creationId xmlns:a16="http://schemas.microsoft.com/office/drawing/2014/main" id="{AA6581E7-3634-4465-B1CB-C2AA17544DA2}"/>
+                <a16:creationId xmlns:a16="http://schemas.microsoft.com/office/drawing/2014/main" xmlns="" id="{AA6581E7-3634-4465-B1CB-C2AA17544DA2}"/>
               </a:ext>
             </a:extLst>
           </p:cNvPr>
@@ -2420,7 +2420,7 @@
           <p:cNvPr id="2" name="Date Placeholder 1">
             <a:extLst>
               <a:ext uri="{FF2B5EF4-FFF2-40B4-BE49-F238E27FC236}">
-                <a16:creationId xmlns:a16="http://schemas.microsoft.com/office/drawing/2014/main" id="{B9D2757E-EFFD-4925-9AA0-DAE12E6AA12B}"/>
+                <a16:creationId xmlns:a16="http://schemas.microsoft.com/office/drawing/2014/main" xmlns="" id="{B9D2757E-EFFD-4925-9AA0-DAE12E6AA12B}"/>
               </a:ext>
             </a:extLst>
           </p:cNvPr>
@@ -2438,7 +2438,7 @@
           <a:p>
             <a:fld id="{0606E6B9-647D-44E7-AC55-189E62264243}" type="datetimeFigureOut">
               <a:rPr lang="en-US" smtClean="0"/>
-              <a:t>12/23/2019</a:t>
+              <a:t>3/22/20</a:t>
             </a:fld>
             <a:endParaRPr lang="en-US"/>
           </a:p>
@@ -2449,7 +2449,7 @@
           <p:cNvPr id="3" name="Footer Placeholder 2">
             <a:extLst>
               <a:ext uri="{FF2B5EF4-FFF2-40B4-BE49-F238E27FC236}">
-                <a16:creationId xmlns:a16="http://schemas.microsoft.com/office/drawing/2014/main" id="{9658D3AC-4068-4738-BE3C-5FAF6A17C5DC}"/>
+                <a16:creationId xmlns:a16="http://schemas.microsoft.com/office/drawing/2014/main" xmlns="" id="{9658D3AC-4068-4738-BE3C-5FAF6A17C5DC}"/>
               </a:ext>
             </a:extLst>
           </p:cNvPr>
@@ -2474,7 +2474,7 @@
           <p:cNvPr id="4" name="Slide Number Placeholder 3">
             <a:extLst>
               <a:ext uri="{FF2B5EF4-FFF2-40B4-BE49-F238E27FC236}">
-                <a16:creationId xmlns:a16="http://schemas.microsoft.com/office/drawing/2014/main" id="{C027CF14-E02E-43D6-BF0E-7FEAB144E4E1}"/>
+                <a16:creationId xmlns:a16="http://schemas.microsoft.com/office/drawing/2014/main" xmlns="" id="{C027CF14-E02E-43D6-BF0E-7FEAB144E4E1}"/>
               </a:ext>
             </a:extLst>
           </p:cNvPr>
@@ -2533,7 +2533,7 @@
           <p:cNvPr id="2" name="Title 1">
             <a:extLst>
               <a:ext uri="{FF2B5EF4-FFF2-40B4-BE49-F238E27FC236}">
-                <a16:creationId xmlns:a16="http://schemas.microsoft.com/office/drawing/2014/main" id="{5E5D91D4-3E8B-4E60-8C2C-B2CA96E15B7F}"/>
+                <a16:creationId xmlns:a16="http://schemas.microsoft.com/office/drawing/2014/main" xmlns="" id="{5E5D91D4-3E8B-4E60-8C2C-B2CA96E15B7F}"/>
               </a:ext>
             </a:extLst>
           </p:cNvPr>
@@ -2570,7 +2570,7 @@
           <p:cNvPr id="3" name="Content Placeholder 2">
             <a:extLst>
               <a:ext uri="{FF2B5EF4-FFF2-40B4-BE49-F238E27FC236}">
-                <a16:creationId xmlns:a16="http://schemas.microsoft.com/office/drawing/2014/main" id="{CB81ECD7-C2E0-4764-B75C-C8B9F10E1E19}"/>
+                <a16:creationId xmlns:a16="http://schemas.microsoft.com/office/drawing/2014/main" xmlns="" id="{CB81ECD7-C2E0-4764-B75C-C8B9F10E1E19}"/>
               </a:ext>
             </a:extLst>
           </p:cNvPr>
@@ -2660,7 +2660,7 @@
           <p:cNvPr id="4" name="Text Placeholder 3">
             <a:extLst>
               <a:ext uri="{FF2B5EF4-FFF2-40B4-BE49-F238E27FC236}">
-                <a16:creationId xmlns:a16="http://schemas.microsoft.com/office/drawing/2014/main" id="{68CF446A-1341-45E2-9A9F-BAC6AABD21D9}"/>
+                <a16:creationId xmlns:a16="http://schemas.microsoft.com/office/drawing/2014/main" xmlns="" id="{68CF446A-1341-45E2-9A9F-BAC6AABD21D9}"/>
               </a:ext>
             </a:extLst>
           </p:cNvPr>
@@ -2731,7 +2731,7 @@
           <p:cNvPr id="5" name="Date Placeholder 4">
             <a:extLst>
               <a:ext uri="{FF2B5EF4-FFF2-40B4-BE49-F238E27FC236}">
-                <a16:creationId xmlns:a16="http://schemas.microsoft.com/office/drawing/2014/main" id="{97F69101-038E-4F16-B897-33FF00F11A90}"/>
+                <a16:creationId xmlns:a16="http://schemas.microsoft.com/office/drawing/2014/main" xmlns="" id="{97F69101-038E-4F16-B897-33FF00F11A90}"/>
               </a:ext>
             </a:extLst>
           </p:cNvPr>
@@ -2749,7 +2749,7 @@
           <a:p>
             <a:fld id="{0606E6B9-647D-44E7-AC55-189E62264243}" type="datetimeFigureOut">
               <a:rPr lang="en-US" smtClean="0"/>
-              <a:t>12/23/2019</a:t>
+              <a:t>3/22/20</a:t>
             </a:fld>
             <a:endParaRPr lang="en-US"/>
           </a:p>
@@ -2760,7 +2760,7 @@
           <p:cNvPr id="6" name="Footer Placeholder 5">
             <a:extLst>
               <a:ext uri="{FF2B5EF4-FFF2-40B4-BE49-F238E27FC236}">
-                <a16:creationId xmlns:a16="http://schemas.microsoft.com/office/drawing/2014/main" id="{81011DBD-AC27-4E9F-B8F2-A1C167990A15}"/>
+                <a16:creationId xmlns:a16="http://schemas.microsoft.com/office/drawing/2014/main" xmlns="" id="{81011DBD-AC27-4E9F-B8F2-A1C167990A15}"/>
               </a:ext>
             </a:extLst>
           </p:cNvPr>
@@ -2785,7 +2785,7 @@
           <p:cNvPr id="7" name="Slide Number Placeholder 6">
             <a:extLst>
               <a:ext uri="{FF2B5EF4-FFF2-40B4-BE49-F238E27FC236}">
-                <a16:creationId xmlns:a16="http://schemas.microsoft.com/office/drawing/2014/main" id="{922AE77B-E4E1-4DCB-AAE4-873FC6E19BAB}"/>
+                <a16:creationId xmlns:a16="http://schemas.microsoft.com/office/drawing/2014/main" xmlns="" id="{922AE77B-E4E1-4DCB-AAE4-873FC6E19BAB}"/>
               </a:ext>
             </a:extLst>
           </p:cNvPr>
@@ -2844,7 +2844,7 @@
           <p:cNvPr id="2" name="Title 1">
             <a:extLst>
               <a:ext uri="{FF2B5EF4-FFF2-40B4-BE49-F238E27FC236}">
-                <a16:creationId xmlns:a16="http://schemas.microsoft.com/office/drawing/2014/main" id="{6E7581A6-71EC-45C8-AA98-DB8DEE4B8C26}"/>
+                <a16:creationId xmlns:a16="http://schemas.microsoft.com/office/drawing/2014/main" xmlns="" id="{6E7581A6-71EC-45C8-AA98-DB8DEE4B8C26}"/>
               </a:ext>
             </a:extLst>
           </p:cNvPr>
@@ -2881,7 +2881,7 @@
           <p:cNvPr id="3" name="Picture Placeholder 2">
             <a:extLst>
               <a:ext uri="{FF2B5EF4-FFF2-40B4-BE49-F238E27FC236}">
-                <a16:creationId xmlns:a16="http://schemas.microsoft.com/office/drawing/2014/main" id="{EB0FE203-D7DF-4343-8BEA-58CE1C867ABC}"/>
+                <a16:creationId xmlns:a16="http://schemas.microsoft.com/office/drawing/2014/main" xmlns="" id="{EB0FE203-D7DF-4343-8BEA-58CE1C867ABC}"/>
               </a:ext>
             </a:extLst>
           </p:cNvPr>
@@ -2948,7 +2948,7 @@
           <p:cNvPr id="4" name="Text Placeholder 3">
             <a:extLst>
               <a:ext uri="{FF2B5EF4-FFF2-40B4-BE49-F238E27FC236}">
-                <a16:creationId xmlns:a16="http://schemas.microsoft.com/office/drawing/2014/main" id="{70806EC1-C0EE-4CD0-9FD0-4673FDBA00AD}"/>
+                <a16:creationId xmlns:a16="http://schemas.microsoft.com/office/drawing/2014/main" xmlns="" id="{70806EC1-C0EE-4CD0-9FD0-4673FDBA00AD}"/>
               </a:ext>
             </a:extLst>
           </p:cNvPr>
@@ -3019,7 +3019,7 @@
           <p:cNvPr id="5" name="Date Placeholder 4">
             <a:extLst>
               <a:ext uri="{FF2B5EF4-FFF2-40B4-BE49-F238E27FC236}">
-                <a16:creationId xmlns:a16="http://schemas.microsoft.com/office/drawing/2014/main" id="{025DBC80-6038-4653-9E48-B5B213782183}"/>
+                <a16:creationId xmlns:a16="http://schemas.microsoft.com/office/drawing/2014/main" xmlns="" id="{025DBC80-6038-4653-9E48-B5B213782183}"/>
               </a:ext>
             </a:extLst>
           </p:cNvPr>
@@ -3037,7 +3037,7 @@
           <a:p>
             <a:fld id="{0606E6B9-647D-44E7-AC55-189E62264243}" type="datetimeFigureOut">
               <a:rPr lang="en-US" smtClean="0"/>
-              <a:t>12/23/2019</a:t>
+              <a:t>3/22/20</a:t>
             </a:fld>
             <a:endParaRPr lang="en-US"/>
           </a:p>
@@ -3048,7 +3048,7 @@
           <p:cNvPr id="6" name="Footer Placeholder 5">
             <a:extLst>
               <a:ext uri="{FF2B5EF4-FFF2-40B4-BE49-F238E27FC236}">
-                <a16:creationId xmlns:a16="http://schemas.microsoft.com/office/drawing/2014/main" id="{0D62F5A8-1D29-46D8-8F45-A20A48AF174E}"/>
+                <a16:creationId xmlns:a16="http://schemas.microsoft.com/office/drawing/2014/main" xmlns="" id="{0D62F5A8-1D29-46D8-8F45-A20A48AF174E}"/>
               </a:ext>
             </a:extLst>
           </p:cNvPr>
@@ -3073,7 +3073,7 @@
           <p:cNvPr id="7" name="Slide Number Placeholder 6">
             <a:extLst>
               <a:ext uri="{FF2B5EF4-FFF2-40B4-BE49-F238E27FC236}">
-                <a16:creationId xmlns:a16="http://schemas.microsoft.com/office/drawing/2014/main" id="{C4449B57-2B8C-4977-8C21-5E4B9D68DF01}"/>
+                <a16:creationId xmlns:a16="http://schemas.microsoft.com/office/drawing/2014/main" xmlns="" id="{C4449B57-2B8C-4977-8C21-5E4B9D68DF01}"/>
               </a:ext>
             </a:extLst>
           </p:cNvPr>
@@ -3137,7 +3137,7 @@
           <p:cNvPr id="2" name="Title Placeholder 1">
             <a:extLst>
               <a:ext uri="{FF2B5EF4-FFF2-40B4-BE49-F238E27FC236}">
-                <a16:creationId xmlns:a16="http://schemas.microsoft.com/office/drawing/2014/main" id="{6247C561-9A3E-4B77-BECD-2A4D5DA53A94}"/>
+                <a16:creationId xmlns:a16="http://schemas.microsoft.com/office/drawing/2014/main" xmlns="" id="{6247C561-9A3E-4B77-BECD-2A4D5DA53A94}"/>
               </a:ext>
             </a:extLst>
           </p:cNvPr>
@@ -3175,7 +3175,7 @@
           <p:cNvPr id="3" name="Text Placeholder 2">
             <a:extLst>
               <a:ext uri="{FF2B5EF4-FFF2-40B4-BE49-F238E27FC236}">
-                <a16:creationId xmlns:a16="http://schemas.microsoft.com/office/drawing/2014/main" id="{09871693-36CD-4383-8F63-EB572FB6C997}"/>
+                <a16:creationId xmlns:a16="http://schemas.microsoft.com/office/drawing/2014/main" xmlns="" id="{09871693-36CD-4383-8F63-EB572FB6C997}"/>
               </a:ext>
             </a:extLst>
           </p:cNvPr>
@@ -3242,7 +3242,7 @@
           <p:cNvPr id="4" name="Date Placeholder 3">
             <a:extLst>
               <a:ext uri="{FF2B5EF4-FFF2-40B4-BE49-F238E27FC236}">
-                <a16:creationId xmlns:a16="http://schemas.microsoft.com/office/drawing/2014/main" id="{A2004E6F-DF6E-4D04-B167-F4EFE3C2B0FA}"/>
+                <a16:creationId xmlns:a16="http://schemas.microsoft.com/office/drawing/2014/main" xmlns="" id="{A2004E6F-DF6E-4D04-B167-F4EFE3C2B0FA}"/>
               </a:ext>
             </a:extLst>
           </p:cNvPr>
@@ -3278,7 +3278,7 @@
           <a:p>
             <a:fld id="{0606E6B9-647D-44E7-AC55-189E62264243}" type="datetimeFigureOut">
               <a:rPr lang="en-US" smtClean="0"/>
-              <a:t>12/23/2019</a:t>
+              <a:t>3/22/20</a:t>
             </a:fld>
             <a:endParaRPr lang="en-US"/>
           </a:p>
@@ -3289,7 +3289,7 @@
           <p:cNvPr id="5" name="Footer Placeholder 4">
             <a:extLst>
               <a:ext uri="{FF2B5EF4-FFF2-40B4-BE49-F238E27FC236}">
-                <a16:creationId xmlns:a16="http://schemas.microsoft.com/office/drawing/2014/main" id="{475BE4B6-7E47-4829-BB49-6148F9EF6749}"/>
+                <a16:creationId xmlns:a16="http://schemas.microsoft.com/office/drawing/2014/main" xmlns="" id="{475BE4B6-7E47-4829-BB49-6148F9EF6749}"/>
               </a:ext>
             </a:extLst>
           </p:cNvPr>
@@ -3332,7 +3332,7 @@
           <p:cNvPr id="6" name="Slide Number Placeholder 5">
             <a:extLst>
               <a:ext uri="{FF2B5EF4-FFF2-40B4-BE49-F238E27FC236}">
-                <a16:creationId xmlns:a16="http://schemas.microsoft.com/office/drawing/2014/main" id="{36571177-A902-4886-B9C9-E3BF84217565}"/>
+                <a16:creationId xmlns:a16="http://schemas.microsoft.com/office/drawing/2014/main" xmlns="" id="{36571177-A902-4886-B9C9-E3BF84217565}"/>
               </a:ext>
             </a:extLst>
           </p:cNvPr>
@@ -3700,7 +3700,7 @@
           <p:cNvPr id="9" name="Picture 8">
             <a:extLst>
               <a:ext uri="{FF2B5EF4-FFF2-40B4-BE49-F238E27FC236}">
-                <a16:creationId xmlns:a16="http://schemas.microsoft.com/office/drawing/2014/main" id="{CF64B3A4-72C8-4289-A56D-289DEB15C0B0}"/>
+                <a16:creationId xmlns:a16="http://schemas.microsoft.com/office/drawing/2014/main" xmlns="" id="{CF64B3A4-72C8-4289-A56D-289DEB15C0B0}"/>
               </a:ext>
             </a:extLst>
           </p:cNvPr>
@@ -3746,7 +3746,7 @@
           <p:cNvPr id="2" name="Hình chữ nhật 1">
             <a:extLst>
               <a:ext uri="{FF2B5EF4-FFF2-40B4-BE49-F238E27FC236}">
-                <a16:creationId xmlns:a16="http://schemas.microsoft.com/office/drawing/2014/main" id="{B5062936-AF0A-49F9-9A31-AA5EF7763260}"/>
+                <a16:creationId xmlns:a16="http://schemas.microsoft.com/office/drawing/2014/main" xmlns="" id="{B5062936-AF0A-49F9-9A31-AA5EF7763260}"/>
               </a:ext>
             </a:extLst>
           </p:cNvPr>
@@ -3821,7 +3821,7 @@
           <p:cNvPr id="3" name="Hộp Văn bản 2">
             <a:extLst>
               <a:ext uri="{FF2B5EF4-FFF2-40B4-BE49-F238E27FC236}">
-                <a16:creationId xmlns:a16="http://schemas.microsoft.com/office/drawing/2014/main" id="{D0562AAB-56F5-49E8-9CD3-66F7BDDD5640}"/>
+                <a16:creationId xmlns:a16="http://schemas.microsoft.com/office/drawing/2014/main" xmlns="" id="{D0562AAB-56F5-49E8-9CD3-66F7BDDD5640}"/>
               </a:ext>
             </a:extLst>
           </p:cNvPr>
@@ -3903,7 +3903,7 @@
           <p:cNvPr id="5" name="Picture 4">
             <a:extLst>
               <a:ext uri="{FF2B5EF4-FFF2-40B4-BE49-F238E27FC236}">
-                <a16:creationId xmlns:a16="http://schemas.microsoft.com/office/drawing/2014/main" id="{37167B90-8D9C-4B64-A152-D96352121856}"/>
+                <a16:creationId xmlns:a16="http://schemas.microsoft.com/office/drawing/2014/main" xmlns="" id="{37167B90-8D9C-4B64-A152-D96352121856}"/>
               </a:ext>
             </a:extLst>
           </p:cNvPr>
@@ -3939,7 +3939,7 @@
           <p:cNvPr id="6" name="TextBox 5">
             <a:extLst>
               <a:ext uri="{FF2B5EF4-FFF2-40B4-BE49-F238E27FC236}">
-                <a16:creationId xmlns:a16="http://schemas.microsoft.com/office/drawing/2014/main" id="{11B9A547-539A-46AB-A0BC-9F9B4641AEA4}"/>
+                <a16:creationId xmlns:a16="http://schemas.microsoft.com/office/drawing/2014/main" xmlns="" id="{11B9A547-539A-46AB-A0BC-9F9B4641AEA4}"/>
               </a:ext>
             </a:extLst>
           </p:cNvPr>
@@ -3978,7 +3978,7 @@
           <p:cNvPr id="7" name="TextBox 6">
             <a:extLst>
               <a:ext uri="{FF2B5EF4-FFF2-40B4-BE49-F238E27FC236}">
-                <a16:creationId xmlns:a16="http://schemas.microsoft.com/office/drawing/2014/main" id="{6B2815BE-D9B5-409A-AD1D-0EB30DF3D7BE}"/>
+                <a16:creationId xmlns:a16="http://schemas.microsoft.com/office/drawing/2014/main" xmlns="" id="{6B2815BE-D9B5-409A-AD1D-0EB30DF3D7BE}"/>
               </a:ext>
             </a:extLst>
           </p:cNvPr>
@@ -3987,8 +3987,8 @@
         </p:nvSpPr>
         <p:spPr>
           <a:xfrm>
-            <a:off x="595618" y="1449247"/>
-            <a:ext cx="595619" cy="1323439"/>
+            <a:off x="595618" y="1449246"/>
+            <a:ext cx="595619" cy="4401205"/>
           </a:xfrm>
           <a:prstGeom prst="rect">
             <a:avLst/>
@@ -4007,7 +4007,7 @@
               </a:lnSpc>
             </a:pPr>
             <a:r>
-              <a:rPr lang="en-US" sz="2000" dirty="0">
+              <a:rPr lang="en-US" sz="2000" dirty="0" smtClean="0">
                 <a:solidFill>
                   <a:srgbClr val="1BA1F3"/>
                 </a:solidFill>
@@ -4035,35 +4035,6 @@
               </a:solidFill>
             </a:endParaRPr>
           </a:p>
-        </p:txBody>
-      </p:sp>
-      <p:sp>
-        <p:nvSpPr>
-          <p:cNvPr id="9" name="TextBox 8">
-            <a:extLst>
-              <a:ext uri="{FF2B5EF4-FFF2-40B4-BE49-F238E27FC236}">
-                <a16:creationId xmlns:a16="http://schemas.microsoft.com/office/drawing/2014/main" id="{606D466B-035F-46D0-B3C7-B72FF5BDAC78}"/>
-              </a:ext>
-            </a:extLst>
-          </p:cNvPr>
-          <p:cNvSpPr txBox="1"/>
-          <p:nvPr/>
-        </p:nvSpPr>
-        <p:spPr>
-          <a:xfrm>
-            <a:off x="1326858" y="1449246"/>
-            <a:ext cx="5258500" cy="1323439"/>
-          </a:xfrm>
-          <a:prstGeom prst="rect">
-            <a:avLst/>
-          </a:prstGeom>
-          <a:noFill/>
-        </p:spPr>
-        <p:txBody>
-          <a:bodyPr wrap="square" rtlCol="0">
-            <a:spAutoFit/>
-          </a:bodyPr>
-          <a:lstStyle/>
           <a:p>
             <a:pPr>
               <a:lnSpc>
@@ -4071,9 +4042,18 @@
               </a:lnSpc>
             </a:pPr>
             <a:r>
-              <a:rPr lang="en-US" sz="2000" dirty="0"/>
-              <a:t>Introduction</a:t>
-            </a:r>
+              <a:rPr lang="en-US" sz="2000" dirty="0" smtClean="0">
+                <a:solidFill>
+                  <a:srgbClr val="1BA1F3"/>
+                </a:solidFill>
+              </a:rPr>
+              <a:t>03</a:t>
+            </a:r>
+            <a:endParaRPr lang="en-US" sz="2000" dirty="0" smtClean="0">
+              <a:solidFill>
+                <a:srgbClr val="1BA1F3"/>
+              </a:solidFill>
+            </a:endParaRPr>
           </a:p>
           <a:p>
             <a:pPr>
@@ -4082,10 +4062,198 @@
               </a:lnSpc>
             </a:pPr>
             <a:r>
+              <a:rPr lang="en-US" sz="2000" dirty="0" smtClean="0">
+                <a:solidFill>
+                  <a:srgbClr val="1BA1F3"/>
+                </a:solidFill>
+              </a:rPr>
+              <a:t>04</a:t>
+            </a:r>
+            <a:endParaRPr lang="en-US" sz="2000" dirty="0" smtClean="0">
+              <a:solidFill>
+                <a:srgbClr val="1BA1F3"/>
+              </a:solidFill>
+            </a:endParaRPr>
+          </a:p>
+          <a:p>
+            <a:pPr>
+              <a:lnSpc>
+                <a:spcPct val="200000"/>
+              </a:lnSpc>
+            </a:pPr>
+            <a:r>
+              <a:rPr lang="en-US" sz="2000" dirty="0" smtClean="0">
+                <a:solidFill>
+                  <a:srgbClr val="1BA1F3"/>
+                </a:solidFill>
+              </a:rPr>
+              <a:t>05</a:t>
+            </a:r>
+            <a:endParaRPr lang="en-US" sz="2000" dirty="0" smtClean="0">
+              <a:solidFill>
+                <a:srgbClr val="1BA1F3"/>
+              </a:solidFill>
+            </a:endParaRPr>
+          </a:p>
+          <a:p>
+            <a:pPr>
+              <a:lnSpc>
+                <a:spcPct val="200000"/>
+              </a:lnSpc>
+            </a:pPr>
+            <a:r>
+              <a:rPr lang="en-US" sz="2000" dirty="0" smtClean="0">
+                <a:solidFill>
+                  <a:srgbClr val="1BA1F3"/>
+                </a:solidFill>
+              </a:rPr>
+              <a:t>06</a:t>
+            </a:r>
+            <a:endParaRPr lang="en-US" sz="2000" dirty="0" smtClean="0">
+              <a:solidFill>
+                <a:srgbClr val="1BA1F3"/>
+              </a:solidFill>
+            </a:endParaRPr>
+          </a:p>
+          <a:p>
+            <a:pPr>
+              <a:lnSpc>
+                <a:spcPct val="200000"/>
+              </a:lnSpc>
+            </a:pPr>
+            <a:r>
+              <a:rPr lang="en-US" sz="2000" dirty="0" smtClean="0">
+                <a:solidFill>
+                  <a:srgbClr val="1BA1F3"/>
+                </a:solidFill>
+              </a:rPr>
+              <a:t>07</a:t>
+            </a:r>
+            <a:endParaRPr lang="en-US" sz="2000" dirty="0" smtClean="0">
+              <a:solidFill>
+                <a:srgbClr val="1BA1F3"/>
+              </a:solidFill>
+            </a:endParaRPr>
+          </a:p>
+        </p:txBody>
+      </p:sp>
+      <p:sp>
+        <p:nvSpPr>
+          <p:cNvPr id="9" name="TextBox 8">
+            <a:extLst>
+              <a:ext uri="{FF2B5EF4-FFF2-40B4-BE49-F238E27FC236}">
+                <a16:creationId xmlns:a16="http://schemas.microsoft.com/office/drawing/2014/main" xmlns="" id="{606D466B-035F-46D0-B3C7-B72FF5BDAC78}"/>
+              </a:ext>
+            </a:extLst>
+          </p:cNvPr>
+          <p:cNvSpPr txBox="1"/>
+          <p:nvPr/>
+        </p:nvSpPr>
+        <p:spPr>
+          <a:xfrm>
+            <a:off x="1258280" y="1473641"/>
+            <a:ext cx="5258500" cy="4401205"/>
+          </a:xfrm>
+          <a:prstGeom prst="rect">
+            <a:avLst/>
+          </a:prstGeom>
+          <a:noFill/>
+        </p:spPr>
+        <p:txBody>
+          <a:bodyPr wrap="square" rtlCol="0">
+            <a:spAutoFit/>
+          </a:bodyPr>
+          <a:lstStyle/>
+          <a:p>
+            <a:pPr>
+              <a:lnSpc>
+                <a:spcPct val="200000"/>
+              </a:lnSpc>
+            </a:pPr>
+            <a:r>
               <a:rPr lang="en-US" sz="2000" dirty="0" smtClean="0"/>
-              <a:t>Implement with d3</a:t>
+              <a:t>What is </a:t>
+            </a:r>
+            <a:r>
+              <a:rPr lang="en-US" sz="2000" dirty="0" smtClean="0"/>
+              <a:t>TDD</a:t>
+            </a:r>
+            <a:r>
+              <a:rPr lang="en-US" sz="2000" dirty="0" smtClean="0"/>
+              <a:t>?</a:t>
+            </a:r>
+          </a:p>
+          <a:p>
+            <a:pPr>
+              <a:lnSpc>
+                <a:spcPct val="200000"/>
+              </a:lnSpc>
+            </a:pPr>
+            <a:r>
+              <a:rPr lang="en-US" sz="2000" dirty="0" smtClean="0"/>
+              <a:t>How to perform TDD Test</a:t>
             </a:r>
             <a:endParaRPr lang="en-US" sz="2000" dirty="0"/>
+          </a:p>
+          <a:p>
+            <a:pPr>
+              <a:lnSpc>
+                <a:spcPct val="200000"/>
+              </a:lnSpc>
+            </a:pPr>
+            <a:r>
+              <a:rPr lang="en-US" sz="2000" dirty="0" smtClean="0"/>
+              <a:t>Why test?</a:t>
+            </a:r>
+          </a:p>
+          <a:p>
+            <a:pPr>
+              <a:lnSpc>
+                <a:spcPct val="200000"/>
+              </a:lnSpc>
+            </a:pPr>
+            <a:r>
+              <a:rPr lang="en-US" sz="2000" dirty="0" smtClean="0"/>
+              <a:t>Different kinds of test</a:t>
+            </a:r>
+          </a:p>
+          <a:p>
+            <a:pPr>
+              <a:lnSpc>
+                <a:spcPct val="200000"/>
+              </a:lnSpc>
+            </a:pPr>
+            <a:r>
+              <a:rPr lang="en-US" sz="2000" dirty="0" smtClean="0"/>
+              <a:t>Tools for testing</a:t>
+            </a:r>
+          </a:p>
+          <a:p>
+            <a:pPr>
+              <a:lnSpc>
+                <a:spcPct val="200000"/>
+              </a:lnSpc>
+            </a:pPr>
+            <a:r>
+              <a:rPr lang="en-US" sz="2000" dirty="0" smtClean="0"/>
+              <a:t>What to test?</a:t>
+            </a:r>
+          </a:p>
+          <a:p>
+            <a:pPr>
+              <a:lnSpc>
+                <a:spcPct val="200000"/>
+              </a:lnSpc>
+            </a:pPr>
+            <a:r>
+              <a:rPr lang="en-US" sz="2000" dirty="0" smtClean="0"/>
+              <a:t>What not to test</a:t>
+            </a:r>
+            <a:r>
+              <a:rPr lang="en-US" sz="2000" dirty="0" smtClean="0"/>
+              <a:t>?</a:t>
+            </a:r>
+            <a:endParaRPr lang="en-US" sz="2000" dirty="0" smtClean="0"/>
           </a:p>
         </p:txBody>
       </p:sp>
@@ -4094,7 +4262,7 @@
           <p:cNvPr id="11" name="Straight Connector 10">
             <a:extLst>
               <a:ext uri="{FF2B5EF4-FFF2-40B4-BE49-F238E27FC236}">
-                <a16:creationId xmlns:a16="http://schemas.microsoft.com/office/drawing/2014/main" id="{C7534283-6F96-40AB-9E88-87750D454CEB}"/>
+                <a16:creationId xmlns:a16="http://schemas.microsoft.com/office/drawing/2014/main" xmlns="" id="{C7534283-6F96-40AB-9E88-87750D454CEB}"/>
               </a:ext>
             </a:extLst>
           </p:cNvPr>
@@ -4164,10 +4332,10 @@
       </p:grpSpPr>
       <p:pic>
         <p:nvPicPr>
-          <p:cNvPr id="9" name="Picture 8">
-            <a:extLst>
-              <a:ext uri="{FF2B5EF4-FFF2-40B4-BE49-F238E27FC236}">
-                <a16:creationId xmlns:a16="http://schemas.microsoft.com/office/drawing/2014/main" id="{EE0B7FFB-DFF3-43C0-BE39-24F03630E741}"/>
+          <p:cNvPr id="4" name="Picture 3">
+            <a:extLst>
+              <a:ext uri="{FF2B5EF4-FFF2-40B4-BE49-F238E27FC236}">
+                <a16:creationId xmlns:a16="http://schemas.microsoft.com/office/drawing/2014/main" xmlns="" id="{C09DC7F0-B451-4072-A845-7E24A98C6DFA}"/>
               </a:ext>
             </a:extLst>
           </p:cNvPr>
@@ -4191,7 +4359,7 @@
         <p:spPr>
           <a:xfrm>
             <a:off x="0" y="0"/>
-            <a:ext cx="4943252" cy="6857999"/>
+            <a:ext cx="12192000" cy="678180"/>
           </a:xfrm>
           <a:prstGeom prst="rect">
             <a:avLst/>
@@ -4200,10 +4368,10 @@
       </p:pic>
       <p:sp>
         <p:nvSpPr>
-          <p:cNvPr id="10" name="TextBox 9">
-            <a:extLst>
-              <a:ext uri="{FF2B5EF4-FFF2-40B4-BE49-F238E27FC236}">
-                <a16:creationId xmlns:a16="http://schemas.microsoft.com/office/drawing/2014/main" id="{F846F1DD-7CF8-42FC-98B8-BC29D2A3D10E}"/>
+          <p:cNvPr id="5" name="TextBox 4">
+            <a:extLst>
+              <a:ext uri="{FF2B5EF4-FFF2-40B4-BE49-F238E27FC236}">
+                <a16:creationId xmlns:a16="http://schemas.microsoft.com/office/drawing/2014/main" xmlns="" id="{9DC5F2F3-557F-41AD-AD18-F12E4406CB95}"/>
               </a:ext>
             </a:extLst>
           </p:cNvPr>
@@ -4212,90 +4380,8 @@
         </p:nvSpPr>
         <p:spPr>
           <a:xfrm>
-            <a:off x="595618" y="478172"/>
-            <a:ext cx="4347634" cy="1077218"/>
-          </a:xfrm>
-          <a:prstGeom prst="rect">
-            <a:avLst/>
-          </a:prstGeom>
-          <a:noFill/>
-        </p:spPr>
-        <p:txBody>
-          <a:bodyPr wrap="square" rtlCol="0">
-            <a:spAutoFit/>
-          </a:bodyPr>
-          <a:lstStyle/>
-          <a:p>
-            <a:r>
-              <a:rPr lang="en-US" sz="6400" b="1" dirty="0">
-                <a:solidFill>
-                  <a:schemeClr val="bg1"/>
-                </a:solidFill>
-              </a:rPr>
-              <a:t>01</a:t>
-            </a:r>
-          </a:p>
-        </p:txBody>
-      </p:sp>
-      <p:cxnSp>
-        <p:nvCxnSpPr>
-          <p:cNvPr id="11" name="Straight Connector 10">
-            <a:extLst>
-              <a:ext uri="{FF2B5EF4-FFF2-40B4-BE49-F238E27FC236}">
-                <a16:creationId xmlns:a16="http://schemas.microsoft.com/office/drawing/2014/main" id="{003078C0-65C8-4AF0-90A4-580D592C8DDB}"/>
-              </a:ext>
-            </a:extLst>
-          </p:cNvPr>
-          <p:cNvCxnSpPr>
-            <a:cxnSpLocks/>
-          </p:cNvCxnSpPr>
-          <p:nvPr/>
-        </p:nvCxnSpPr>
-        <p:spPr>
-          <a:xfrm>
-            <a:off x="722850" y="1592373"/>
-            <a:ext cx="518721" cy="0"/>
-          </a:xfrm>
-          <a:prstGeom prst="line">
-            <a:avLst/>
-          </a:prstGeom>
-          <a:ln w="38100">
-            <a:solidFill>
-              <a:schemeClr val="bg1"/>
-            </a:solidFill>
-          </a:ln>
-        </p:spPr>
-        <p:style>
-          <a:lnRef idx="1">
-            <a:schemeClr val="accent1"/>
-          </a:lnRef>
-          <a:fillRef idx="0">
-            <a:schemeClr val="accent1"/>
-          </a:fillRef>
-          <a:effectRef idx="0">
-            <a:schemeClr val="accent1"/>
-          </a:effectRef>
-          <a:fontRef idx="minor">
-            <a:schemeClr val="tx1"/>
-          </a:fontRef>
-        </p:style>
-      </p:cxnSp>
-      <p:sp>
-        <p:nvSpPr>
-          <p:cNvPr id="12" name="TextBox 11">
-            <a:extLst>
-              <a:ext uri="{FF2B5EF4-FFF2-40B4-BE49-F238E27FC236}">
-                <a16:creationId xmlns:a16="http://schemas.microsoft.com/office/drawing/2014/main" id="{0A1F1A84-C25B-4695-BCC5-EFBBCE9F8E75}"/>
-              </a:ext>
-            </a:extLst>
-          </p:cNvPr>
-          <p:cNvSpPr txBox="1"/>
-          <p:nvPr/>
-        </p:nvSpPr>
-        <p:spPr>
-          <a:xfrm>
-            <a:off x="595618" y="2407640"/>
-            <a:ext cx="2910980" cy="584775"/>
+            <a:off x="285226" y="51460"/>
+            <a:ext cx="7847392" cy="584775"/>
           </a:xfrm>
           <a:prstGeom prst="rect">
             <a:avLst/>
@@ -4314,27 +4400,38 @@
                   <a:schemeClr val="bg1"/>
                 </a:solidFill>
               </a:rPr>
-              <a:t>Introduction</a:t>
-            </a:r>
-          </a:p>
-        </p:txBody>
-      </p:sp>
-      <p:sp>
-        <p:nvSpPr>
-          <p:cNvPr id="2" name="TextBox 1">
-            <a:extLst>
-              <a:ext uri="{FF2B5EF4-FFF2-40B4-BE49-F238E27FC236}">
-                <a16:creationId xmlns:a16="http://schemas.microsoft.com/office/drawing/2014/main" id="{9D446FFA-2900-476D-B670-97DE6FDD2465}"/>
-              </a:ext>
-            </a:extLst>
-          </p:cNvPr>
+              <a:t>01 - </a:t>
+            </a:r>
+            <a:r>
+              <a:rPr lang="en-US" sz="3200" dirty="0"/>
+              <a:t>What is </a:t>
+            </a:r>
+            <a:r>
+              <a:rPr lang="en-US" sz="3200" dirty="0" smtClean="0"/>
+              <a:t>TDD(Test Driven Development)</a:t>
+            </a:r>
+            <a:r>
+              <a:rPr lang="en-US" sz="3200" dirty="0" smtClean="0"/>
+              <a:t>?</a:t>
+            </a:r>
+            <a:endParaRPr lang="en-US" sz="3200" b="1" dirty="0">
+              <a:solidFill>
+                <a:schemeClr val="bg1"/>
+              </a:solidFill>
+            </a:endParaRPr>
+          </a:p>
+        </p:txBody>
+      </p:sp>
+      <p:sp>
+        <p:nvSpPr>
+          <p:cNvPr id="10" name="TextBox 9"/>
           <p:cNvSpPr txBox="1"/>
           <p:nvPr/>
         </p:nvSpPr>
         <p:spPr>
           <a:xfrm>
-            <a:off x="5229726" y="842211"/>
-            <a:ext cx="5983497" cy="1754326"/>
+            <a:off x="6096000" y="1343025"/>
+            <a:ext cx="6586538" cy="646331"/>
           </a:xfrm>
           <a:prstGeom prst="rect">
             <a:avLst/>
@@ -4342,68 +4439,67 @@
           <a:noFill/>
         </p:spPr>
         <p:txBody>
-          <a:bodyPr wrap="none" rtlCol="0">
+          <a:bodyPr wrap="square" rtlCol="0">
             <a:spAutoFit/>
           </a:bodyPr>
           <a:lstStyle/>
           <a:p>
-            <a:pPr marL="685800" indent="-685800">
-              <a:buFont typeface="Wingdings" panose="05000000000000000000" pitchFamily="2" charset="2"/>
-              <a:buChar char="§"/>
+            <a:pPr marL="285750" indent="-285750">
+              <a:buFontTx/>
+              <a:buChar char="-"/>
             </a:pPr>
             <a:r>
-              <a:rPr lang="en-US" sz="3600" dirty="0"/>
-              <a:t>What is </a:t>
-            </a:r>
-            <a:r>
-              <a:rPr lang="en-US" sz="3600" dirty="0" err="1" smtClean="0"/>
-              <a:t>Treemap</a:t>
-            </a:r>
-            <a:r>
-              <a:rPr lang="en-US" sz="3600" dirty="0" smtClean="0"/>
-              <a:t>?</a:t>
-            </a:r>
-            <a:endParaRPr lang="en-US" sz="3600" dirty="0"/>
-          </a:p>
-          <a:p>
-            <a:pPr marL="685800" indent="-685800">
-              <a:buFont typeface="Wingdings" panose="05000000000000000000" pitchFamily="2" charset="2"/>
-              <a:buChar char="§"/>
+              <a:rPr lang="en-US" dirty="0" smtClean="0"/>
+              <a:t>Write test before writing code</a:t>
+            </a:r>
+          </a:p>
+          <a:p>
+            <a:pPr marL="285750" indent="-285750">
+              <a:buFontTx/>
+              <a:buChar char="-"/>
             </a:pPr>
             <a:r>
-              <a:rPr lang="en-US" sz="3600" dirty="0"/>
-              <a:t>Why do we need </a:t>
-            </a:r>
-            <a:r>
-              <a:rPr lang="en-US" sz="3600" dirty="0" err="1" smtClean="0"/>
-              <a:t>Treemap</a:t>
-            </a:r>
-            <a:r>
-              <a:rPr lang="en-US" sz="3600" dirty="0" smtClean="0"/>
-              <a:t>?</a:t>
-            </a:r>
-          </a:p>
-          <a:p>
-            <a:pPr marL="685800" indent="-685800">
-              <a:buFont typeface="Wingdings" panose="05000000000000000000" pitchFamily="2" charset="2"/>
-              <a:buChar char="§"/>
-            </a:pPr>
-            <a:r>
-              <a:rPr lang="en-US" sz="3600" dirty="0" err="1" smtClean="0"/>
-              <a:t>Treemaps</a:t>
-            </a:r>
-            <a:r>
-              <a:rPr lang="en-US" sz="3600" dirty="0" smtClean="0"/>
-              <a:t>’ Downsides</a:t>
-            </a:r>
-            <a:endParaRPr lang="en-US" sz="3600" dirty="0"/>
-          </a:p>
-        </p:txBody>
-      </p:sp>
+              <a:rPr lang="en-US" dirty="0" smtClean="0"/>
+              <a:t>Test fail before code is written</a:t>
+            </a:r>
+            <a:endParaRPr lang="en-US" dirty="0"/>
+          </a:p>
+        </p:txBody>
+      </p:sp>
+      <p:pic>
+        <p:nvPicPr>
+          <p:cNvPr id="13" name="Picture 12"/>
+          <p:cNvPicPr>
+            <a:picLocks noChangeAspect="1"/>
+          </p:cNvPicPr>
+          <p:nvPr/>
+        </p:nvPicPr>
+        <p:blipFill>
+          <a:blip r:embed="rId3">
+            <a:extLst>
+              <a:ext uri="{28A0092B-C50C-407E-A947-70E740481C1C}">
+                <a14:useLocalDpi xmlns:a14="http://schemas.microsoft.com/office/drawing/2010/main" val="0"/>
+              </a:ext>
+            </a:extLst>
+          </a:blip>
+          <a:stretch>
+            <a:fillRect/>
+          </a:stretch>
+        </p:blipFill>
+        <p:spPr>
+          <a:xfrm>
+            <a:off x="330200" y="1343025"/>
+            <a:ext cx="5765800" cy="3276600"/>
+          </a:xfrm>
+          <a:prstGeom prst="rect">
+            <a:avLst/>
+          </a:prstGeom>
+        </p:spPr>
+      </p:pic>
     </p:spTree>
     <p:extLst>
       <p:ext uri="{BB962C8B-B14F-4D97-AF65-F5344CB8AC3E}">
-        <p14:creationId xmlns:p14="http://schemas.microsoft.com/office/powerpoint/2010/main" val="1090126312"/>
+        <p14:creationId xmlns:p14="http://schemas.microsoft.com/office/powerpoint/2010/main" val="4117900246"/>
       </p:ext>
     </p:extLst>
   </p:cSld>
@@ -4435,7 +4531,7 @@
           <p:cNvPr id="4" name="Picture 3">
             <a:extLst>
               <a:ext uri="{FF2B5EF4-FFF2-40B4-BE49-F238E27FC236}">
-                <a16:creationId xmlns:a16="http://schemas.microsoft.com/office/drawing/2014/main" id="{C09DC7F0-B451-4072-A845-7E24A98C6DFA}"/>
+                <a16:creationId xmlns:a16="http://schemas.microsoft.com/office/drawing/2014/main" xmlns="" id="{C09DC7F0-B451-4072-A845-7E24A98C6DFA}"/>
               </a:ext>
             </a:extLst>
           </p:cNvPr>
@@ -4471,7 +4567,7 @@
           <p:cNvPr id="5" name="TextBox 4">
             <a:extLst>
               <a:ext uri="{FF2B5EF4-FFF2-40B4-BE49-F238E27FC236}">
-                <a16:creationId xmlns:a16="http://schemas.microsoft.com/office/drawing/2014/main" id="{9DC5F2F3-557F-41AD-AD18-F12E4406CB95}"/>
+                <a16:creationId xmlns:a16="http://schemas.microsoft.com/office/drawing/2014/main" xmlns="" id="{9DC5F2F3-557F-41AD-AD18-F12E4406CB95}"/>
               </a:ext>
             </a:extLst>
           </p:cNvPr>
@@ -4481,7 +4577,7 @@
         <p:spPr>
           <a:xfrm>
             <a:off x="285226" y="51460"/>
-            <a:ext cx="4194410" cy="584775"/>
+            <a:ext cx="7847392" cy="584775"/>
           </a:xfrm>
           <a:prstGeom prst="rect">
             <a:avLst/>
@@ -4495,20 +4591,32 @@
           <a:lstStyle/>
           <a:p>
             <a:r>
-              <a:rPr lang="en-US" sz="3200" b="1" dirty="0">
+              <a:rPr lang="en-US" sz="3200" b="1" dirty="0" smtClean="0">
                 <a:solidFill>
                   <a:schemeClr val="bg1"/>
                 </a:solidFill>
               </a:rPr>
-              <a:t>01 - </a:t>
-            </a:r>
-            <a:r>
-              <a:rPr lang="en-US" sz="3200" dirty="0"/>
-              <a:t>What is </a:t>
-            </a:r>
-            <a:r>
-              <a:rPr lang="en-US" sz="3200" dirty="0" err="1" smtClean="0"/>
-              <a:t>Treemap</a:t>
+              <a:t>02 </a:t>
+            </a:r>
+            <a:r>
+              <a:rPr lang="mr-IN" sz="3200" b="1" dirty="0" smtClean="0">
+                <a:solidFill>
+                  <a:schemeClr val="bg1"/>
+                </a:solidFill>
+              </a:rPr>
+              <a:t>–</a:t>
+            </a:r>
+            <a:r>
+              <a:rPr lang="en-US" sz="3200" b="1" dirty="0" smtClean="0">
+                <a:solidFill>
+                  <a:schemeClr val="bg1"/>
+                </a:solidFill>
+              </a:rPr>
+              <a:t> </a:t>
+            </a:r>
+            <a:r>
+              <a:rPr lang="en-US" sz="3200" dirty="0" smtClean="0"/>
+              <a:t>How to perform TDD Test</a:t>
             </a:r>
             <a:r>
               <a:rPr lang="en-US" sz="3200" dirty="0" smtClean="0"/>
@@ -4519,67 +4627,6 @@
                 <a:schemeClr val="bg1"/>
               </a:solidFill>
             </a:endParaRPr>
-          </a:p>
-        </p:txBody>
-      </p:sp>
-      <p:sp>
-        <p:nvSpPr>
-          <p:cNvPr id="3" name="Rectangle 2">
-            <a:extLst>
-              <a:ext uri="{FF2B5EF4-FFF2-40B4-BE49-F238E27FC236}">
-                <a16:creationId xmlns:a16="http://schemas.microsoft.com/office/drawing/2014/main" id="{FC9DD196-1429-4D08-8B75-C808DA1AADE1}"/>
-              </a:ext>
-            </a:extLst>
-          </p:cNvPr>
-          <p:cNvSpPr/>
-          <p:nvPr/>
-        </p:nvSpPr>
-        <p:spPr>
-          <a:xfrm>
-            <a:off x="822157" y="1212867"/>
-            <a:ext cx="10547685" cy="1015663"/>
-          </a:xfrm>
-          <a:prstGeom prst="rect">
-            <a:avLst/>
-          </a:prstGeom>
-        </p:spPr>
-        <p:txBody>
-          <a:bodyPr wrap="square">
-            <a:spAutoFit/>
-          </a:bodyPr>
-          <a:lstStyle/>
-          <a:p>
-            <a:r>
-              <a:rPr lang="en-US" sz="2000" dirty="0" err="1"/>
-              <a:t>Treemaps</a:t>
-            </a:r>
-            <a:r>
-              <a:rPr lang="en-US" sz="2000" dirty="0"/>
-              <a:t> are an alternative way of </a:t>
-            </a:r>
-            <a:r>
-              <a:rPr lang="en-US" sz="2000" dirty="0" err="1"/>
-              <a:t>visualising</a:t>
-            </a:r>
-            <a:r>
-              <a:rPr lang="en-US" sz="2000" dirty="0"/>
-              <a:t> the hierarchical structure of a </a:t>
-            </a:r>
-            <a:r>
-              <a:rPr lang="en-US" sz="2000" dirty="0">
-                <a:hlinkClick r:id="rId3"/>
-              </a:rPr>
-              <a:t>Tree Diagram</a:t>
-            </a:r>
-            <a:r>
-              <a:rPr lang="en-US" sz="2000" dirty="0"/>
-              <a:t> while also displaying quantities for each category via area size. Each category is assigned a rectangle area with their subcategory rectangles nested inside of it</a:t>
-            </a:r>
-            <a:r>
-              <a:rPr lang="en-US" sz="2000" dirty="0" smtClean="0"/>
-              <a:t>.</a:t>
-            </a:r>
-            <a:endParaRPr lang="en-US" sz="2000" dirty="0"/>
           </a:p>
         </p:txBody>
       </p:sp>
@@ -4592,7 +4639,7 @@
           <p:nvPr/>
         </p:nvPicPr>
         <p:blipFill>
-          <a:blip r:embed="rId4">
+          <a:blip r:embed="rId3">
             <a:extLst>
               <a:ext uri="{28A0092B-C50C-407E-A947-70E740481C1C}">
                 <a14:useLocalDpi xmlns:a14="http://schemas.microsoft.com/office/drawing/2010/main" val="0"/>
@@ -4605,8 +4652,8 @@
         </p:blipFill>
         <p:spPr>
           <a:xfrm>
-            <a:off x="822157" y="2597981"/>
-            <a:ext cx="9269841" cy="4063492"/>
+            <a:off x="4208922" y="972527"/>
+            <a:ext cx="4175565" cy="5211762"/>
           </a:xfrm>
           <a:prstGeom prst="rect">
             <a:avLst/>
@@ -4616,7 +4663,7 @@
     </p:spTree>
     <p:extLst>
       <p:ext uri="{BB962C8B-B14F-4D97-AF65-F5344CB8AC3E}">
-        <p14:creationId xmlns:p14="http://schemas.microsoft.com/office/powerpoint/2010/main" val="4117900246"/>
+        <p14:creationId xmlns:p14="http://schemas.microsoft.com/office/powerpoint/2010/main" val="1008909644"/>
       </p:ext>
     </p:extLst>
   </p:cSld>
@@ -4648,7 +4695,7 @@
           <p:cNvPr id="4" name="Picture 3">
             <a:extLst>
               <a:ext uri="{FF2B5EF4-FFF2-40B4-BE49-F238E27FC236}">
-                <a16:creationId xmlns:a16="http://schemas.microsoft.com/office/drawing/2014/main" id="{C09DC7F0-B451-4072-A845-7E24A98C6DFA}"/>
+                <a16:creationId xmlns:a16="http://schemas.microsoft.com/office/drawing/2014/main" xmlns="" id="{C09DC7F0-B451-4072-A845-7E24A98C6DFA}"/>
               </a:ext>
             </a:extLst>
           </p:cNvPr>
@@ -4684,7 +4731,7 @@
           <p:cNvPr id="5" name="TextBox 4">
             <a:extLst>
               <a:ext uri="{FF2B5EF4-FFF2-40B4-BE49-F238E27FC236}">
-                <a16:creationId xmlns:a16="http://schemas.microsoft.com/office/drawing/2014/main" id="{9DC5F2F3-557F-41AD-AD18-F12E4406CB95}"/>
+                <a16:creationId xmlns:a16="http://schemas.microsoft.com/office/drawing/2014/main" xmlns="" id="{9DC5F2F3-557F-41AD-AD18-F12E4406CB95}"/>
               </a:ext>
             </a:extLst>
           </p:cNvPr>
@@ -4707,33 +4754,17 @@
           </a:bodyPr>
           <a:lstStyle/>
           <a:p>
-            <a:r>
-              <a:rPr lang="en-US" sz="3200" b="1" dirty="0">
-                <a:solidFill>
-                  <a:schemeClr val="bg1"/>
-                </a:solidFill>
-              </a:rPr>
-              <a:t>01 </a:t>
-            </a:r>
             <a:r>
               <a:rPr lang="en-US" sz="3200" b="1" dirty="0" smtClean="0">
                 <a:solidFill>
                   <a:schemeClr val="bg1"/>
                 </a:solidFill>
               </a:rPr>
-              <a:t>– </a:t>
+              <a:t>02 – </a:t>
             </a:r>
             <a:r>
               <a:rPr lang="en-US" sz="3200" dirty="0" smtClean="0"/>
-              <a:t>Why do we need </a:t>
-            </a:r>
-            <a:r>
-              <a:rPr lang="en-US" sz="3200" dirty="0" err="1" smtClean="0"/>
-              <a:t>Treemap</a:t>
-            </a:r>
-            <a:r>
-              <a:rPr lang="en-US" sz="3200" dirty="0" smtClean="0"/>
-              <a:t>?</a:t>
+              <a:t>Why test?</a:t>
             </a:r>
             <a:endParaRPr lang="en-US" sz="3200" b="1" dirty="0">
               <a:solidFill>
@@ -4745,63 +4776,332 @@
       </p:sp>
       <p:sp>
         <p:nvSpPr>
-          <p:cNvPr id="3" name="Rectangle 2">
-            <a:extLst>
-              <a:ext uri="{FF2B5EF4-FFF2-40B4-BE49-F238E27FC236}">
-                <a16:creationId xmlns:a16="http://schemas.microsoft.com/office/drawing/2014/main" id="{FC9DD196-1429-4D08-8B75-C808DA1AADE1}"/>
-              </a:ext>
-            </a:extLst>
-          </p:cNvPr>
+          <p:cNvPr id="2" name="Rounded Rectangle 1"/>
           <p:cNvSpPr/>
           <p:nvPr/>
         </p:nvSpPr>
         <p:spPr>
           <a:xfrm>
-            <a:off x="822157" y="1212867"/>
-            <a:ext cx="10547685" cy="707886"/>
-          </a:xfrm>
-          <a:prstGeom prst="rect">
+            <a:off x="410545" y="2090058"/>
+            <a:ext cx="3303038" cy="1343608"/>
+          </a:xfrm>
+          <a:prstGeom prst="roundRect">
             <a:avLst/>
           </a:prstGeom>
         </p:spPr>
-        <p:txBody>
-          <a:bodyPr wrap="square">
-            <a:spAutoFit/>
-          </a:bodyPr>
-          <a:lstStyle/>
-          <a:p>
-            <a:pPr marL="571500" indent="-571500">
-              <a:buFontTx/>
-              <a:buChar char="-"/>
-            </a:pPr>
-            <a:r>
-              <a:rPr lang="en-US" sz="2000" dirty="0" smtClean="0"/>
-              <a:t>Save space on screen</a:t>
-            </a:r>
-          </a:p>
-          <a:p>
-            <a:pPr marL="571500" indent="-571500">
-              <a:buFontTx/>
-              <a:buChar char="-"/>
-            </a:pPr>
-            <a:r>
-              <a:rPr lang="en-US" sz="2000" dirty="0" smtClean="0"/>
-              <a:t>Quick overview of the structure</a:t>
-            </a:r>
-            <a:endParaRPr lang="en-US" sz="2000" dirty="0"/>
-          </a:p>
-        </p:txBody>
-      </p:sp>
+        <p:style>
+          <a:lnRef idx="2">
+            <a:schemeClr val="accent1">
+              <a:shade val="50000"/>
+            </a:schemeClr>
+          </a:lnRef>
+          <a:fillRef idx="1">
+            <a:schemeClr val="accent1"/>
+          </a:fillRef>
+          <a:effectRef idx="0">
+            <a:schemeClr val="accent1"/>
+          </a:effectRef>
+          <a:fontRef idx="minor">
+            <a:schemeClr val="lt1"/>
+          </a:fontRef>
+        </p:style>
+        <p:txBody>
+          <a:bodyPr rtlCol="0" anchor="ctr"/>
+          <a:lstStyle/>
+          <a:p>
+            <a:pPr algn="ctr"/>
+            <a:r>
+              <a:rPr lang="en-US" sz="2800" dirty="0" smtClean="0"/>
+              <a:t>Get a error if you break code</a:t>
+            </a:r>
+            <a:endParaRPr lang="en-US" sz="2800" dirty="0"/>
+          </a:p>
+        </p:txBody>
+      </p:sp>
+      <p:sp>
+        <p:nvSpPr>
+          <p:cNvPr id="9" name="Rounded Rectangle 8"/>
+          <p:cNvSpPr/>
+          <p:nvPr/>
+        </p:nvSpPr>
+        <p:spPr>
+          <a:xfrm>
+            <a:off x="4425819" y="2090058"/>
+            <a:ext cx="3303038" cy="1343608"/>
+          </a:xfrm>
+          <a:prstGeom prst="roundRect">
+            <a:avLst/>
+          </a:prstGeom>
+        </p:spPr>
+        <p:style>
+          <a:lnRef idx="2">
+            <a:schemeClr val="accent1">
+              <a:shade val="50000"/>
+            </a:schemeClr>
+          </a:lnRef>
+          <a:fillRef idx="1">
+            <a:schemeClr val="accent1"/>
+          </a:fillRef>
+          <a:effectRef idx="0">
+            <a:schemeClr val="accent1"/>
+          </a:effectRef>
+          <a:fontRef idx="minor">
+            <a:schemeClr val="lt1"/>
+          </a:fontRef>
+        </p:style>
+        <p:txBody>
+          <a:bodyPr rtlCol="0" anchor="ctr"/>
+          <a:lstStyle/>
+          <a:p>
+            <a:pPr algn="ctr"/>
+            <a:r>
+              <a:rPr lang="en-US" sz="2800" dirty="0" smtClean="0"/>
+              <a:t>Save Time</a:t>
+            </a:r>
+            <a:endParaRPr lang="en-US" sz="2800" dirty="0"/>
+          </a:p>
+        </p:txBody>
+      </p:sp>
+      <p:sp>
+        <p:nvSpPr>
+          <p:cNvPr id="10" name="Rounded Rectangle 9"/>
+          <p:cNvSpPr/>
+          <p:nvPr/>
+        </p:nvSpPr>
+        <p:spPr>
+          <a:xfrm>
+            <a:off x="8441093" y="2090058"/>
+            <a:ext cx="3303038" cy="1343608"/>
+          </a:xfrm>
+          <a:prstGeom prst="roundRect">
+            <a:avLst/>
+          </a:prstGeom>
+        </p:spPr>
+        <p:style>
+          <a:lnRef idx="2">
+            <a:schemeClr val="accent1">
+              <a:shade val="50000"/>
+            </a:schemeClr>
+          </a:lnRef>
+          <a:fillRef idx="1">
+            <a:schemeClr val="accent1"/>
+          </a:fillRef>
+          <a:effectRef idx="0">
+            <a:schemeClr val="accent1"/>
+          </a:effectRef>
+          <a:fontRef idx="minor">
+            <a:schemeClr val="lt1"/>
+          </a:fontRef>
+        </p:style>
+        <p:txBody>
+          <a:bodyPr rtlCol="0" anchor="ctr"/>
+          <a:lstStyle/>
+          <a:p>
+            <a:pPr algn="ctr"/>
+            <a:r>
+              <a:rPr lang="en-US" sz="2800" dirty="0" smtClean="0"/>
+              <a:t>Think about possible</a:t>
+            </a:r>
+          </a:p>
+          <a:p>
+            <a:pPr algn="ctr"/>
+            <a:r>
+              <a:rPr lang="en-US" sz="2800" dirty="0"/>
+              <a:t>i</a:t>
+            </a:r>
+            <a:r>
+              <a:rPr lang="en-US" sz="2800" dirty="0" smtClean="0"/>
+              <a:t>ssues &amp; bugs</a:t>
+            </a:r>
+            <a:endParaRPr lang="en-US" sz="2800" dirty="0"/>
+          </a:p>
+        </p:txBody>
+      </p:sp>
+      <p:sp>
+        <p:nvSpPr>
+          <p:cNvPr id="11" name="Rounded Rectangle 10"/>
+          <p:cNvSpPr/>
+          <p:nvPr/>
+        </p:nvSpPr>
+        <p:spPr>
+          <a:xfrm>
+            <a:off x="410545" y="4257871"/>
+            <a:ext cx="3303038" cy="1343608"/>
+          </a:xfrm>
+          <a:prstGeom prst="roundRect">
+            <a:avLst/>
+          </a:prstGeom>
+        </p:spPr>
+        <p:style>
+          <a:lnRef idx="2">
+            <a:schemeClr val="accent1">
+              <a:shade val="50000"/>
+            </a:schemeClr>
+          </a:lnRef>
+          <a:fillRef idx="1">
+            <a:schemeClr val="accent1"/>
+          </a:fillRef>
+          <a:effectRef idx="0">
+            <a:schemeClr val="accent1"/>
+          </a:effectRef>
+          <a:fontRef idx="minor">
+            <a:schemeClr val="lt1"/>
+          </a:fontRef>
+        </p:style>
+        <p:txBody>
+          <a:bodyPr rtlCol="0" anchor="ctr"/>
+          <a:lstStyle/>
+          <a:p>
+            <a:pPr algn="ctr"/>
+            <a:r>
+              <a:rPr lang="en-US" sz="2800" dirty="0" smtClean="0"/>
+              <a:t>Integrate into build workflow</a:t>
+            </a:r>
+            <a:endParaRPr lang="en-US" sz="2800" dirty="0"/>
+          </a:p>
+        </p:txBody>
+      </p:sp>
+      <p:sp>
+        <p:nvSpPr>
+          <p:cNvPr id="12" name="Rounded Rectangle 11"/>
+          <p:cNvSpPr/>
+          <p:nvPr/>
+        </p:nvSpPr>
+        <p:spPr>
+          <a:xfrm>
+            <a:off x="4425819" y="4257871"/>
+            <a:ext cx="3303038" cy="1343608"/>
+          </a:xfrm>
+          <a:prstGeom prst="roundRect">
+            <a:avLst/>
+          </a:prstGeom>
+        </p:spPr>
+        <p:style>
+          <a:lnRef idx="2">
+            <a:schemeClr val="accent1">
+              <a:shade val="50000"/>
+            </a:schemeClr>
+          </a:lnRef>
+          <a:fillRef idx="1">
+            <a:schemeClr val="accent1"/>
+          </a:fillRef>
+          <a:effectRef idx="0">
+            <a:schemeClr val="accent1"/>
+          </a:effectRef>
+          <a:fontRef idx="minor">
+            <a:schemeClr val="lt1"/>
+          </a:fontRef>
+        </p:style>
+        <p:txBody>
+          <a:bodyPr rtlCol="0" anchor="ctr"/>
+          <a:lstStyle/>
+          <a:p>
+            <a:pPr algn="ctr"/>
+            <a:r>
+              <a:rPr lang="en-US" sz="2800" dirty="0" smtClean="0"/>
+              <a:t>Break up complex</a:t>
+            </a:r>
+          </a:p>
+          <a:p>
+            <a:pPr algn="ctr"/>
+            <a:r>
+              <a:rPr lang="en-US" sz="2800" dirty="0" smtClean="0"/>
+              <a:t>dependencies</a:t>
+            </a:r>
+            <a:endParaRPr lang="en-US" sz="2800" dirty="0"/>
+          </a:p>
+        </p:txBody>
+      </p:sp>
+      <p:sp>
+        <p:nvSpPr>
+          <p:cNvPr id="13" name="Rounded Rectangle 12"/>
+          <p:cNvSpPr/>
+          <p:nvPr/>
+        </p:nvSpPr>
+        <p:spPr>
+          <a:xfrm>
+            <a:off x="8441093" y="4279643"/>
+            <a:ext cx="3303038" cy="1343608"/>
+          </a:xfrm>
+          <a:prstGeom prst="roundRect">
+            <a:avLst/>
+          </a:prstGeom>
+        </p:spPr>
+        <p:style>
+          <a:lnRef idx="2">
+            <a:schemeClr val="accent1">
+              <a:shade val="50000"/>
+            </a:schemeClr>
+          </a:lnRef>
+          <a:fillRef idx="1">
+            <a:schemeClr val="accent1"/>
+          </a:fillRef>
+          <a:effectRef idx="0">
+            <a:schemeClr val="accent1"/>
+          </a:effectRef>
+          <a:fontRef idx="minor">
+            <a:schemeClr val="lt1"/>
+          </a:fontRef>
+        </p:style>
+        <p:txBody>
+          <a:bodyPr rtlCol="0" anchor="ctr"/>
+          <a:lstStyle/>
+          <a:p>
+            <a:pPr algn="ctr"/>
+            <a:r>
+              <a:rPr lang="en-US" sz="2800" dirty="0" smtClean="0"/>
+              <a:t>Improve your code</a:t>
+            </a:r>
+            <a:endParaRPr lang="en-US" sz="2800" dirty="0"/>
+          </a:p>
+        </p:txBody>
+      </p:sp>
+    </p:spTree>
+    <p:extLst>
+      <p:ext uri="{BB962C8B-B14F-4D97-AF65-F5344CB8AC3E}">
+        <p14:creationId xmlns:p14="http://schemas.microsoft.com/office/powerpoint/2010/main" val="3054321703"/>
+      </p:ext>
+    </p:extLst>
+  </p:cSld>
+  <p:clrMapOvr>
+    <a:masterClrMapping/>
+  </p:clrMapOvr>
+</p:sld>
+</file>
+
+<file path=ppt/slides/slide6.xml><?xml version="1.0" encoding="utf-8"?>
+<p:sld xmlns:a="http://schemas.openxmlformats.org/drawingml/2006/main" xmlns:r="http://schemas.openxmlformats.org/officeDocument/2006/relationships" xmlns:p="http://schemas.openxmlformats.org/presentationml/2006/main">
+  <p:cSld>
+    <p:spTree>
+      <p:nvGrpSpPr>
+        <p:cNvPr id="1" name=""/>
+        <p:cNvGrpSpPr/>
+        <p:nvPr/>
+      </p:nvGrpSpPr>
+      <p:grpSpPr>
+        <a:xfrm>
+          <a:off x="0" y="0"/>
+          <a:ext cx="0" cy="0"/>
+          <a:chOff x="0" y="0"/>
+          <a:chExt cx="0" cy="0"/>
+        </a:xfrm>
+      </p:grpSpPr>
       <p:pic>
         <p:nvPicPr>
-          <p:cNvPr id="6" name="Picture 5"/>
+          <p:cNvPr id="4" name="Picture 3">
+            <a:extLst>
+              <a:ext uri="{FF2B5EF4-FFF2-40B4-BE49-F238E27FC236}">
+                <a16:creationId xmlns:a16="http://schemas.microsoft.com/office/drawing/2014/main" xmlns="" id="{C09DC7F0-B451-4072-A845-7E24A98C6DFA}"/>
+              </a:ext>
+            </a:extLst>
+          </p:cNvPr>
           <p:cNvPicPr>
             <a:picLocks noChangeAspect="1"/>
           </p:cNvPicPr>
           <p:nvPr/>
         </p:nvPicPr>
         <p:blipFill>
-          <a:blip r:embed="rId3">
+          <a:blip r:embed="rId2">
             <a:extLst>
               <a:ext uri="{28A0092B-C50C-407E-A947-70E740481C1C}">
                 <a14:useLocalDpi xmlns:a14="http://schemas.microsoft.com/office/drawing/2010/main" val="0"/>
@@ -4814,24 +5114,387 @@
         </p:blipFill>
         <p:spPr>
           <a:xfrm>
-            <a:off x="2951306" y="2878715"/>
-            <a:ext cx="3333750" cy="2486025"/>
+            <a:off x="0" y="0"/>
+            <a:ext cx="12192000" cy="678180"/>
           </a:xfrm>
           <a:prstGeom prst="rect">
             <a:avLst/>
           </a:prstGeom>
         </p:spPr>
       </p:pic>
+      <p:sp>
+        <p:nvSpPr>
+          <p:cNvPr id="5" name="TextBox 4">
+            <a:extLst>
+              <a:ext uri="{FF2B5EF4-FFF2-40B4-BE49-F238E27FC236}">
+                <a16:creationId xmlns:a16="http://schemas.microsoft.com/office/drawing/2014/main" xmlns="" id="{9DC5F2F3-557F-41AD-AD18-F12E4406CB95}"/>
+              </a:ext>
+            </a:extLst>
+          </p:cNvPr>
+          <p:cNvSpPr txBox="1"/>
+          <p:nvPr/>
+        </p:nvSpPr>
+        <p:spPr>
+          <a:xfrm>
+            <a:off x="285225" y="51460"/>
+            <a:ext cx="6143284" cy="584775"/>
+          </a:xfrm>
+          <a:prstGeom prst="rect">
+            <a:avLst/>
+          </a:prstGeom>
+          <a:noFill/>
+        </p:spPr>
+        <p:txBody>
+          <a:bodyPr wrap="square" rtlCol="0">
+            <a:spAutoFit/>
+          </a:bodyPr>
+          <a:lstStyle/>
+          <a:p>
+            <a:r>
+              <a:rPr lang="en-US" sz="3200" b="1" dirty="0" smtClean="0">
+                <a:solidFill>
+                  <a:schemeClr val="bg1"/>
+                </a:solidFill>
+              </a:rPr>
+              <a:t>03 – </a:t>
+            </a:r>
+            <a:r>
+              <a:rPr lang="en-US" sz="3200" dirty="0"/>
+              <a:t>Different kinds of </a:t>
+            </a:r>
+            <a:r>
+              <a:rPr lang="en-US" sz="3200" dirty="0" smtClean="0"/>
+              <a:t>test</a:t>
+            </a:r>
+            <a:endParaRPr lang="en-US" sz="3200" b="1" dirty="0">
+              <a:solidFill>
+                <a:schemeClr val="bg1"/>
+              </a:solidFill>
+            </a:endParaRPr>
+          </a:p>
+        </p:txBody>
+      </p:sp>
+      <p:sp>
+        <p:nvSpPr>
+          <p:cNvPr id="2" name="Rounded Rectangle 1"/>
+          <p:cNvSpPr/>
+          <p:nvPr/>
+        </p:nvSpPr>
+        <p:spPr>
+          <a:xfrm>
+            <a:off x="4571999" y="1268963"/>
+            <a:ext cx="3303038" cy="1343608"/>
+          </a:xfrm>
+          <a:prstGeom prst="roundRect">
+            <a:avLst/>
+          </a:prstGeom>
+        </p:spPr>
+        <p:style>
+          <a:lnRef idx="2">
+            <a:schemeClr val="accent1">
+              <a:shade val="50000"/>
+            </a:schemeClr>
+          </a:lnRef>
+          <a:fillRef idx="1">
+            <a:schemeClr val="accent1"/>
+          </a:fillRef>
+          <a:effectRef idx="0">
+            <a:schemeClr val="accent1"/>
+          </a:effectRef>
+          <a:fontRef idx="minor">
+            <a:schemeClr val="lt1"/>
+          </a:fontRef>
+        </p:style>
+        <p:txBody>
+          <a:bodyPr rtlCol="0" anchor="ctr"/>
+          <a:lstStyle/>
+          <a:p>
+            <a:pPr algn="ctr"/>
+            <a:r>
+              <a:rPr lang="en-US" sz="2800" dirty="0" smtClean="0"/>
+              <a:t>Unit Test</a:t>
+            </a:r>
+            <a:endParaRPr lang="en-US" sz="2800" dirty="0"/>
+          </a:p>
+        </p:txBody>
+      </p:sp>
+      <p:sp>
+        <p:nvSpPr>
+          <p:cNvPr id="11" name="Rounded Rectangle 10"/>
+          <p:cNvSpPr/>
+          <p:nvPr/>
+        </p:nvSpPr>
+        <p:spPr>
+          <a:xfrm>
+            <a:off x="4571999" y="3044890"/>
+            <a:ext cx="3303038" cy="1343608"/>
+          </a:xfrm>
+          <a:prstGeom prst="roundRect">
+            <a:avLst/>
+          </a:prstGeom>
+        </p:spPr>
+        <p:style>
+          <a:lnRef idx="2">
+            <a:schemeClr val="accent1">
+              <a:shade val="50000"/>
+            </a:schemeClr>
+          </a:lnRef>
+          <a:fillRef idx="1">
+            <a:schemeClr val="accent1"/>
+          </a:fillRef>
+          <a:effectRef idx="0">
+            <a:schemeClr val="accent1"/>
+          </a:effectRef>
+          <a:fontRef idx="minor">
+            <a:schemeClr val="lt1"/>
+          </a:fontRef>
+        </p:style>
+        <p:txBody>
+          <a:bodyPr rtlCol="0" anchor="ctr"/>
+          <a:lstStyle/>
+          <a:p>
+            <a:pPr algn="ctr"/>
+            <a:r>
+              <a:rPr lang="en-US" sz="2800" dirty="0" smtClean="0"/>
+              <a:t>Integration Tests</a:t>
+            </a:r>
+            <a:endParaRPr lang="en-US" sz="2800" dirty="0"/>
+          </a:p>
+        </p:txBody>
+      </p:sp>
+      <p:sp>
+        <p:nvSpPr>
+          <p:cNvPr id="12" name="Rounded Rectangle 11"/>
+          <p:cNvSpPr/>
+          <p:nvPr/>
+        </p:nvSpPr>
+        <p:spPr>
+          <a:xfrm>
+            <a:off x="4571999" y="4858140"/>
+            <a:ext cx="3303038" cy="1343608"/>
+          </a:xfrm>
+          <a:prstGeom prst="roundRect">
+            <a:avLst/>
+          </a:prstGeom>
+        </p:spPr>
+        <p:style>
+          <a:lnRef idx="2">
+            <a:schemeClr val="accent1">
+              <a:shade val="50000"/>
+            </a:schemeClr>
+          </a:lnRef>
+          <a:fillRef idx="1">
+            <a:schemeClr val="accent1"/>
+          </a:fillRef>
+          <a:effectRef idx="0">
+            <a:schemeClr val="accent1"/>
+          </a:effectRef>
+          <a:fontRef idx="minor">
+            <a:schemeClr val="lt1"/>
+          </a:fontRef>
+        </p:style>
+        <p:txBody>
+          <a:bodyPr rtlCol="0" anchor="ctr"/>
+          <a:lstStyle/>
+          <a:p>
+            <a:pPr algn="ctr"/>
+            <a:r>
+              <a:rPr lang="en-US" sz="2800" dirty="0" smtClean="0"/>
+              <a:t>End to End (E2E) Test</a:t>
+            </a:r>
+            <a:endParaRPr lang="en-US" sz="2800" dirty="0"/>
+          </a:p>
+        </p:txBody>
+      </p:sp>
+      <p:sp>
+        <p:nvSpPr>
+          <p:cNvPr id="7" name="Down Arrow 6"/>
+          <p:cNvSpPr/>
+          <p:nvPr/>
+        </p:nvSpPr>
+        <p:spPr>
+          <a:xfrm>
+            <a:off x="3692769" y="1268963"/>
+            <a:ext cx="450023" cy="4970108"/>
+          </a:xfrm>
+          <a:prstGeom prst="downArrow">
+            <a:avLst/>
+          </a:prstGeom>
+        </p:spPr>
+        <p:style>
+          <a:lnRef idx="2">
+            <a:schemeClr val="accent1">
+              <a:shade val="50000"/>
+            </a:schemeClr>
+          </a:lnRef>
+          <a:fillRef idx="1">
+            <a:schemeClr val="accent1"/>
+          </a:fillRef>
+          <a:effectRef idx="0">
+            <a:schemeClr val="accent1"/>
+          </a:effectRef>
+          <a:fontRef idx="minor">
+            <a:schemeClr val="lt1"/>
+          </a:fontRef>
+        </p:style>
+        <p:txBody>
+          <a:bodyPr rtlCol="0" anchor="ctr"/>
+          <a:lstStyle/>
+          <a:p>
+            <a:pPr algn="ctr"/>
+            <a:endParaRPr lang="en-US"/>
+          </a:p>
+        </p:txBody>
+      </p:sp>
+      <p:sp>
+        <p:nvSpPr>
+          <p:cNvPr id="8" name="TextBox 7"/>
+          <p:cNvSpPr txBox="1"/>
+          <p:nvPr/>
+        </p:nvSpPr>
+        <p:spPr>
+          <a:xfrm>
+            <a:off x="3321698" y="6400645"/>
+            <a:ext cx="1250302" cy="369332"/>
+          </a:xfrm>
+          <a:prstGeom prst="rect">
+            <a:avLst/>
+          </a:prstGeom>
+          <a:noFill/>
+        </p:spPr>
+        <p:txBody>
+          <a:bodyPr wrap="square" rtlCol="0">
+            <a:spAutoFit/>
+          </a:bodyPr>
+          <a:lstStyle/>
+          <a:p>
+            <a:r>
+              <a:rPr lang="en-US" dirty="0" smtClean="0"/>
+              <a:t>Complexity</a:t>
+            </a:r>
+            <a:endParaRPr lang="en-US" dirty="0"/>
+          </a:p>
+        </p:txBody>
+      </p:sp>
+      <p:sp>
+        <p:nvSpPr>
+          <p:cNvPr id="15" name="Down Arrow 14"/>
+          <p:cNvSpPr/>
+          <p:nvPr/>
+        </p:nvSpPr>
+        <p:spPr>
+          <a:xfrm rot="10800000">
+            <a:off x="8304244" y="1268963"/>
+            <a:ext cx="450023" cy="4970108"/>
+          </a:xfrm>
+          <a:prstGeom prst="downArrow">
+            <a:avLst/>
+          </a:prstGeom>
+          <a:solidFill>
+            <a:schemeClr val="accent6"/>
+          </a:solidFill>
+        </p:spPr>
+        <p:style>
+          <a:lnRef idx="2">
+            <a:schemeClr val="accent1">
+              <a:shade val="50000"/>
+            </a:schemeClr>
+          </a:lnRef>
+          <a:fillRef idx="1">
+            <a:schemeClr val="accent1"/>
+          </a:fillRef>
+          <a:effectRef idx="0">
+            <a:schemeClr val="accent1"/>
+          </a:effectRef>
+          <a:fontRef idx="minor">
+            <a:schemeClr val="lt1"/>
+          </a:fontRef>
+        </p:style>
+        <p:txBody>
+          <a:bodyPr rtlCol="0" anchor="ctr"/>
+          <a:lstStyle/>
+          <a:p>
+            <a:pPr algn="ctr"/>
+            <a:endParaRPr lang="en-US"/>
+          </a:p>
+        </p:txBody>
+      </p:sp>
+      <p:sp>
+        <p:nvSpPr>
+          <p:cNvPr id="17" name="TextBox 16"/>
+          <p:cNvSpPr txBox="1"/>
+          <p:nvPr/>
+        </p:nvSpPr>
+        <p:spPr>
+          <a:xfrm>
+            <a:off x="7904104" y="799481"/>
+            <a:ext cx="1250302" cy="369332"/>
+          </a:xfrm>
+          <a:prstGeom prst="rect">
+            <a:avLst/>
+          </a:prstGeom>
+          <a:noFill/>
+        </p:spPr>
+        <p:txBody>
+          <a:bodyPr wrap="square" rtlCol="0">
+            <a:spAutoFit/>
+          </a:bodyPr>
+          <a:lstStyle/>
+          <a:p>
+            <a:r>
+              <a:rPr lang="en-US" dirty="0" smtClean="0"/>
+              <a:t>Frequency</a:t>
+            </a:r>
+            <a:endParaRPr lang="en-US" dirty="0"/>
+          </a:p>
+        </p:txBody>
+      </p:sp>
+    </p:spTree>
+    <p:extLst>
+      <p:ext uri="{BB962C8B-B14F-4D97-AF65-F5344CB8AC3E}">
+        <p14:creationId xmlns:p14="http://schemas.microsoft.com/office/powerpoint/2010/main" val="1704195222"/>
+      </p:ext>
+    </p:extLst>
+  </p:cSld>
+  <p:clrMapOvr>
+    <a:masterClrMapping/>
+  </p:clrMapOvr>
+</p:sld>
+</file>
+
+<file path=ppt/slides/slide7.xml><?xml version="1.0" encoding="utf-8"?>
+<p:sld xmlns:a="http://schemas.openxmlformats.org/drawingml/2006/main" xmlns:r="http://schemas.openxmlformats.org/officeDocument/2006/relationships" xmlns:p="http://schemas.openxmlformats.org/presentationml/2006/main">
+  <p:cSld>
+    <p:spTree>
+      <p:nvGrpSpPr>
+        <p:cNvPr id="1" name=""/>
+        <p:cNvGrpSpPr/>
+        <p:nvPr/>
+      </p:nvGrpSpPr>
+      <p:grpSpPr>
+        <a:xfrm>
+          <a:off x="0" y="0"/>
+          <a:ext cx="0" cy="0"/>
+          <a:chOff x="0" y="0"/>
+          <a:chExt cx="0" cy="0"/>
+        </a:xfrm>
+      </p:grpSpPr>
       <p:pic>
         <p:nvPicPr>
-          <p:cNvPr id="7" name="Picture 6"/>
+          <p:cNvPr id="4" name="Picture 3">
+            <a:extLst>
+              <a:ext uri="{FF2B5EF4-FFF2-40B4-BE49-F238E27FC236}">
+                <a16:creationId xmlns:a16="http://schemas.microsoft.com/office/drawing/2014/main" xmlns="" id="{C09DC7F0-B451-4072-A845-7E24A98C6DFA}"/>
+              </a:ext>
+            </a:extLst>
+          </p:cNvPr>
           <p:cNvPicPr>
             <a:picLocks noChangeAspect="1"/>
           </p:cNvPicPr>
           <p:nvPr/>
         </p:nvPicPr>
         <p:blipFill>
-          <a:blip r:embed="rId4">
+          <a:blip r:embed="rId2">
             <a:extLst>
               <a:ext uri="{28A0092B-C50C-407E-A947-70E740481C1C}">
                 <a14:useLocalDpi xmlns:a14="http://schemas.microsoft.com/office/drawing/2010/main" val="0"/>
@@ -4844,18 +5507,1188 @@
         </p:blipFill>
         <p:spPr>
           <a:xfrm>
-            <a:off x="6553488" y="2578677"/>
-            <a:ext cx="3333750" cy="3086100"/>
+            <a:off x="0" y="0"/>
+            <a:ext cx="12192000" cy="678180"/>
           </a:xfrm>
           <a:prstGeom prst="rect">
             <a:avLst/>
           </a:prstGeom>
         </p:spPr>
       </p:pic>
+      <p:sp>
+        <p:nvSpPr>
+          <p:cNvPr id="5" name="TextBox 4">
+            <a:extLst>
+              <a:ext uri="{FF2B5EF4-FFF2-40B4-BE49-F238E27FC236}">
+                <a16:creationId xmlns:a16="http://schemas.microsoft.com/office/drawing/2014/main" xmlns="" id="{9DC5F2F3-557F-41AD-AD18-F12E4406CB95}"/>
+              </a:ext>
+            </a:extLst>
+          </p:cNvPr>
+          <p:cNvSpPr txBox="1"/>
+          <p:nvPr/>
+        </p:nvSpPr>
+        <p:spPr>
+          <a:xfrm>
+            <a:off x="285225" y="51460"/>
+            <a:ext cx="6143284" cy="584775"/>
+          </a:xfrm>
+          <a:prstGeom prst="rect">
+            <a:avLst/>
+          </a:prstGeom>
+          <a:noFill/>
+        </p:spPr>
+        <p:txBody>
+          <a:bodyPr wrap="square" rtlCol="0">
+            <a:spAutoFit/>
+          </a:bodyPr>
+          <a:lstStyle/>
+          <a:p>
+            <a:r>
+              <a:rPr lang="en-US" sz="3200" b="1" dirty="0" smtClean="0">
+                <a:solidFill>
+                  <a:schemeClr val="bg1"/>
+                </a:solidFill>
+              </a:rPr>
+              <a:t>04 – </a:t>
+            </a:r>
+            <a:r>
+              <a:rPr lang="en-US" sz="3200" dirty="0" smtClean="0"/>
+              <a:t>Tool for testing</a:t>
+            </a:r>
+            <a:endParaRPr lang="en-US" sz="3200" b="1" dirty="0">
+              <a:solidFill>
+                <a:schemeClr val="bg1"/>
+              </a:solidFill>
+            </a:endParaRPr>
+          </a:p>
+        </p:txBody>
+      </p:sp>
+      <p:sp>
+        <p:nvSpPr>
+          <p:cNvPr id="13" name="Rounded Rectangle 12"/>
+          <p:cNvSpPr/>
+          <p:nvPr/>
+        </p:nvSpPr>
+        <p:spPr>
+          <a:xfrm>
+            <a:off x="285225" y="989046"/>
+            <a:ext cx="3303038" cy="1343608"/>
+          </a:xfrm>
+          <a:prstGeom prst="roundRect">
+            <a:avLst/>
+          </a:prstGeom>
+        </p:spPr>
+        <p:style>
+          <a:lnRef idx="2">
+            <a:schemeClr val="accent1">
+              <a:shade val="50000"/>
+            </a:schemeClr>
+          </a:lnRef>
+          <a:fillRef idx="1">
+            <a:schemeClr val="accent1"/>
+          </a:fillRef>
+          <a:effectRef idx="0">
+            <a:schemeClr val="accent1"/>
+          </a:effectRef>
+          <a:fontRef idx="minor">
+            <a:schemeClr val="lt1"/>
+          </a:fontRef>
+        </p:style>
+        <p:txBody>
+          <a:bodyPr rtlCol="0" anchor="ctr"/>
+          <a:lstStyle/>
+          <a:p>
+            <a:pPr algn="ctr"/>
+            <a:r>
+              <a:rPr lang="en-US" sz="2800" dirty="0" smtClean="0"/>
+              <a:t>Test Runner</a:t>
+            </a:r>
+            <a:endParaRPr lang="en-US" sz="2800" dirty="0"/>
+          </a:p>
+        </p:txBody>
+      </p:sp>
+      <p:sp>
+        <p:nvSpPr>
+          <p:cNvPr id="14" name="Rounded Rectangle 13"/>
+          <p:cNvSpPr/>
+          <p:nvPr/>
+        </p:nvSpPr>
+        <p:spPr>
+          <a:xfrm>
+            <a:off x="4429572" y="989046"/>
+            <a:ext cx="3303038" cy="1343608"/>
+          </a:xfrm>
+          <a:prstGeom prst="roundRect">
+            <a:avLst/>
+          </a:prstGeom>
+          <a:solidFill>
+            <a:schemeClr val="accent6"/>
+          </a:solidFill>
+        </p:spPr>
+        <p:style>
+          <a:lnRef idx="2">
+            <a:schemeClr val="accent1">
+              <a:shade val="50000"/>
+            </a:schemeClr>
+          </a:lnRef>
+          <a:fillRef idx="1">
+            <a:schemeClr val="accent1"/>
+          </a:fillRef>
+          <a:effectRef idx="0">
+            <a:schemeClr val="accent1"/>
+          </a:effectRef>
+          <a:fontRef idx="minor">
+            <a:schemeClr val="lt1"/>
+          </a:fontRef>
+        </p:style>
+        <p:txBody>
+          <a:bodyPr rtlCol="0" anchor="ctr"/>
+          <a:lstStyle/>
+          <a:p>
+            <a:pPr algn="ctr"/>
+            <a:r>
+              <a:rPr lang="en-US" sz="2800" dirty="0" smtClean="0"/>
+              <a:t>Assertion Library</a:t>
+            </a:r>
+            <a:endParaRPr lang="en-US" sz="2800" dirty="0"/>
+          </a:p>
+        </p:txBody>
+      </p:sp>
+      <p:sp>
+        <p:nvSpPr>
+          <p:cNvPr id="16" name="Rounded Rectangle 15"/>
+          <p:cNvSpPr/>
+          <p:nvPr/>
+        </p:nvSpPr>
+        <p:spPr>
+          <a:xfrm>
+            <a:off x="8573919" y="989046"/>
+            <a:ext cx="3303038" cy="1343608"/>
+          </a:xfrm>
+          <a:prstGeom prst="roundRect">
+            <a:avLst/>
+          </a:prstGeom>
+          <a:solidFill>
+            <a:schemeClr val="accent4"/>
+          </a:solidFill>
+        </p:spPr>
+        <p:style>
+          <a:lnRef idx="2">
+            <a:schemeClr val="accent1">
+              <a:shade val="50000"/>
+            </a:schemeClr>
+          </a:lnRef>
+          <a:fillRef idx="1">
+            <a:schemeClr val="accent1"/>
+          </a:fillRef>
+          <a:effectRef idx="0">
+            <a:schemeClr val="accent1"/>
+          </a:effectRef>
+          <a:fontRef idx="minor">
+            <a:schemeClr val="lt1"/>
+          </a:fontRef>
+        </p:style>
+        <p:txBody>
+          <a:bodyPr rtlCol="0" anchor="ctr"/>
+          <a:lstStyle/>
+          <a:p>
+            <a:pPr algn="ctr"/>
+            <a:r>
+              <a:rPr lang="en-US" sz="2800" dirty="0" smtClean="0"/>
+              <a:t>Headless Browser</a:t>
+            </a:r>
+            <a:endParaRPr lang="en-US" sz="2800" dirty="0"/>
+          </a:p>
+        </p:txBody>
+      </p:sp>
+      <p:sp>
+        <p:nvSpPr>
+          <p:cNvPr id="18" name="Rounded Rectangle 17"/>
+          <p:cNvSpPr/>
+          <p:nvPr/>
+        </p:nvSpPr>
+        <p:spPr>
+          <a:xfrm>
+            <a:off x="285225" y="3026230"/>
+            <a:ext cx="3303038" cy="1343608"/>
+          </a:xfrm>
+          <a:prstGeom prst="roundRect">
+            <a:avLst/>
+          </a:prstGeom>
+          <a:solidFill>
+            <a:schemeClr val="bg1"/>
+          </a:solidFill>
+          <a:ln>
+            <a:solidFill>
+              <a:schemeClr val="accent1"/>
+            </a:solidFill>
+          </a:ln>
+        </p:spPr>
+        <p:style>
+          <a:lnRef idx="2">
+            <a:schemeClr val="accent1">
+              <a:shade val="50000"/>
+            </a:schemeClr>
+          </a:lnRef>
+          <a:fillRef idx="1">
+            <a:schemeClr val="accent1"/>
+          </a:fillRef>
+          <a:effectRef idx="0">
+            <a:schemeClr val="accent1"/>
+          </a:effectRef>
+          <a:fontRef idx="minor">
+            <a:schemeClr val="lt1"/>
+          </a:fontRef>
+        </p:style>
+        <p:txBody>
+          <a:bodyPr rtlCol="0" anchor="ctr"/>
+          <a:lstStyle/>
+          <a:p>
+            <a:pPr algn="ctr"/>
+            <a:r>
+              <a:rPr lang="en-US" sz="2800" dirty="0" smtClean="0">
+                <a:solidFill>
+                  <a:schemeClr val="accent1"/>
+                </a:solidFill>
+              </a:rPr>
+              <a:t>Execute your tests, summarize results</a:t>
+            </a:r>
+            <a:endParaRPr lang="en-US" sz="2800" dirty="0">
+              <a:solidFill>
+                <a:schemeClr val="accent1"/>
+              </a:solidFill>
+            </a:endParaRPr>
+          </a:p>
+        </p:txBody>
+      </p:sp>
+      <p:sp>
+        <p:nvSpPr>
+          <p:cNvPr id="19" name="Rounded Rectangle 18"/>
+          <p:cNvSpPr/>
+          <p:nvPr/>
+        </p:nvSpPr>
+        <p:spPr>
+          <a:xfrm>
+            <a:off x="4444481" y="3026230"/>
+            <a:ext cx="3303038" cy="1343608"/>
+          </a:xfrm>
+          <a:prstGeom prst="roundRect">
+            <a:avLst/>
+          </a:prstGeom>
+          <a:solidFill>
+            <a:schemeClr val="bg1"/>
+          </a:solidFill>
+          <a:ln>
+            <a:solidFill>
+              <a:schemeClr val="accent6"/>
+            </a:solidFill>
+          </a:ln>
+        </p:spPr>
+        <p:style>
+          <a:lnRef idx="2">
+            <a:schemeClr val="accent1">
+              <a:shade val="50000"/>
+            </a:schemeClr>
+          </a:lnRef>
+          <a:fillRef idx="1">
+            <a:schemeClr val="accent1"/>
+          </a:fillRef>
+          <a:effectRef idx="0">
+            <a:schemeClr val="accent1"/>
+          </a:effectRef>
+          <a:fontRef idx="minor">
+            <a:schemeClr val="lt1"/>
+          </a:fontRef>
+        </p:style>
+        <p:txBody>
+          <a:bodyPr rtlCol="0" anchor="ctr"/>
+          <a:lstStyle/>
+          <a:p>
+            <a:pPr algn="ctr"/>
+            <a:r>
+              <a:rPr lang="en-US" sz="2800" dirty="0" smtClean="0">
+                <a:solidFill>
+                  <a:schemeClr val="accent6"/>
+                </a:solidFill>
+              </a:rPr>
+              <a:t>Define testing logic, conditions, expectations</a:t>
+            </a:r>
+            <a:endParaRPr lang="en-US" sz="2800" dirty="0">
+              <a:solidFill>
+                <a:schemeClr val="accent6"/>
+              </a:solidFill>
+            </a:endParaRPr>
+          </a:p>
+        </p:txBody>
+      </p:sp>
+      <p:sp>
+        <p:nvSpPr>
+          <p:cNvPr id="24" name="Rounded Rectangle 23"/>
+          <p:cNvSpPr/>
+          <p:nvPr/>
+        </p:nvSpPr>
+        <p:spPr>
+          <a:xfrm>
+            <a:off x="285225" y="4817708"/>
+            <a:ext cx="7462294" cy="1343608"/>
+          </a:xfrm>
+          <a:prstGeom prst="roundRect">
+            <a:avLst/>
+          </a:prstGeom>
+          <a:solidFill>
+            <a:schemeClr val="accent6"/>
+          </a:solidFill>
+          <a:ln w="254000" cmpd="sng">
+            <a:solidFill>
+              <a:schemeClr val="accent1"/>
+            </a:solidFill>
+          </a:ln>
+        </p:spPr>
+        <p:style>
+          <a:lnRef idx="2">
+            <a:schemeClr val="accent1">
+              <a:shade val="50000"/>
+            </a:schemeClr>
+          </a:lnRef>
+          <a:fillRef idx="1">
+            <a:schemeClr val="accent1"/>
+          </a:fillRef>
+          <a:effectRef idx="0">
+            <a:schemeClr val="accent1"/>
+          </a:effectRef>
+          <a:fontRef idx="minor">
+            <a:schemeClr val="lt1"/>
+          </a:fontRef>
+        </p:style>
+        <p:txBody>
+          <a:bodyPr rtlCol="0" anchor="ctr"/>
+          <a:lstStyle/>
+          <a:p>
+            <a:pPr algn="ctr"/>
+            <a:r>
+              <a:rPr lang="en-US" sz="6000" b="1" dirty="0" smtClean="0"/>
+              <a:t>Jest</a:t>
+            </a:r>
+            <a:endParaRPr lang="en-US" sz="6000" b="1" dirty="0"/>
+          </a:p>
+        </p:txBody>
+      </p:sp>
+      <p:sp>
+        <p:nvSpPr>
+          <p:cNvPr id="25" name="Rounded Rectangle 24"/>
+          <p:cNvSpPr/>
+          <p:nvPr/>
+        </p:nvSpPr>
+        <p:spPr>
+          <a:xfrm>
+            <a:off x="8603737" y="3026230"/>
+            <a:ext cx="3303038" cy="1343608"/>
+          </a:xfrm>
+          <a:prstGeom prst="roundRect">
+            <a:avLst/>
+          </a:prstGeom>
+          <a:solidFill>
+            <a:schemeClr val="bg1"/>
+          </a:solidFill>
+          <a:ln>
+            <a:solidFill>
+              <a:schemeClr val="accent4"/>
+            </a:solidFill>
+          </a:ln>
+        </p:spPr>
+        <p:style>
+          <a:lnRef idx="2">
+            <a:schemeClr val="accent1">
+              <a:shade val="50000"/>
+            </a:schemeClr>
+          </a:lnRef>
+          <a:fillRef idx="1">
+            <a:schemeClr val="accent1"/>
+          </a:fillRef>
+          <a:effectRef idx="0">
+            <a:schemeClr val="accent1"/>
+          </a:effectRef>
+          <a:fontRef idx="minor">
+            <a:schemeClr val="lt1"/>
+          </a:fontRef>
+        </p:style>
+        <p:txBody>
+          <a:bodyPr rtlCol="0" anchor="ctr"/>
+          <a:lstStyle/>
+          <a:p>
+            <a:pPr algn="ctr"/>
+            <a:r>
+              <a:rPr lang="en-US" sz="2800" dirty="0" smtClean="0">
+                <a:solidFill>
+                  <a:schemeClr val="accent4"/>
+                </a:solidFill>
+              </a:rPr>
+              <a:t>Simulates browser</a:t>
+            </a:r>
+          </a:p>
+          <a:p>
+            <a:pPr algn="ctr"/>
+            <a:r>
+              <a:rPr lang="en-US" sz="2800" dirty="0" smtClean="0">
+                <a:solidFill>
+                  <a:schemeClr val="accent4"/>
+                </a:solidFill>
+              </a:rPr>
+              <a:t>interaction</a:t>
+            </a:r>
+            <a:endParaRPr lang="en-US" sz="2800" dirty="0">
+              <a:solidFill>
+                <a:schemeClr val="accent4"/>
+              </a:solidFill>
+            </a:endParaRPr>
+          </a:p>
+        </p:txBody>
+      </p:sp>
+      <p:sp>
+        <p:nvSpPr>
+          <p:cNvPr id="27" name="Rounded Rectangle 26"/>
+          <p:cNvSpPr/>
+          <p:nvPr/>
+        </p:nvSpPr>
+        <p:spPr>
+          <a:xfrm>
+            <a:off x="8618646" y="4817708"/>
+            <a:ext cx="3303038" cy="1343608"/>
+          </a:xfrm>
+          <a:prstGeom prst="roundRect">
+            <a:avLst/>
+          </a:prstGeom>
+          <a:solidFill>
+            <a:schemeClr val="bg1"/>
+          </a:solidFill>
+          <a:ln>
+            <a:solidFill>
+              <a:schemeClr val="accent4"/>
+            </a:solidFill>
+          </a:ln>
+        </p:spPr>
+        <p:style>
+          <a:lnRef idx="2">
+            <a:schemeClr val="accent1">
+              <a:shade val="50000"/>
+            </a:schemeClr>
+          </a:lnRef>
+          <a:fillRef idx="1">
+            <a:schemeClr val="accent1"/>
+          </a:fillRef>
+          <a:effectRef idx="0">
+            <a:schemeClr val="accent1"/>
+          </a:effectRef>
+          <a:fontRef idx="minor">
+            <a:schemeClr val="lt1"/>
+          </a:fontRef>
+        </p:style>
+        <p:txBody>
+          <a:bodyPr rtlCol="0" anchor="ctr"/>
+          <a:lstStyle/>
+          <a:p>
+            <a:pPr algn="ctr"/>
+            <a:r>
+              <a:rPr lang="en-US" sz="2800" dirty="0" smtClean="0">
+                <a:solidFill>
+                  <a:schemeClr val="accent4"/>
+                </a:solidFill>
+              </a:rPr>
+              <a:t>Puppetee</a:t>
+            </a:r>
+            <a:r>
+              <a:rPr lang="en-US" sz="2800" dirty="0" smtClean="0"/>
+              <a:t>r</a:t>
+            </a:r>
+            <a:endParaRPr lang="en-US" sz="2800" dirty="0"/>
+          </a:p>
+        </p:txBody>
+      </p:sp>
+      <p:sp>
+        <p:nvSpPr>
+          <p:cNvPr id="28" name="Rectangle 27"/>
+          <p:cNvSpPr/>
+          <p:nvPr/>
+        </p:nvSpPr>
+        <p:spPr>
+          <a:xfrm rot="1785466">
+            <a:off x="1872118" y="1183678"/>
+            <a:ext cx="2028373" cy="407501"/>
+          </a:xfrm>
+          <a:prstGeom prst="rect">
+            <a:avLst/>
+          </a:prstGeom>
+          <a:solidFill>
+            <a:srgbClr val="FFFF00"/>
+          </a:solidFill>
+        </p:spPr>
+        <p:style>
+          <a:lnRef idx="2">
+            <a:schemeClr val="accent1">
+              <a:shade val="50000"/>
+            </a:schemeClr>
+          </a:lnRef>
+          <a:fillRef idx="1">
+            <a:schemeClr val="accent1"/>
+          </a:fillRef>
+          <a:effectRef idx="0">
+            <a:schemeClr val="accent1"/>
+          </a:effectRef>
+          <a:fontRef idx="minor">
+            <a:schemeClr val="lt1"/>
+          </a:fontRef>
+        </p:style>
+        <p:txBody>
+          <a:bodyPr rtlCol="0" anchor="ctr"/>
+          <a:lstStyle/>
+          <a:p>
+            <a:pPr algn="ctr"/>
+            <a:r>
+              <a:rPr lang="en-US" b="1" dirty="0" smtClean="0">
+                <a:solidFill>
+                  <a:schemeClr val="tx1"/>
+                </a:solidFill>
+              </a:rPr>
+              <a:t>Unit + </a:t>
+            </a:r>
+            <a:r>
+              <a:rPr lang="en-US" b="1" dirty="0" smtClean="0">
+                <a:solidFill>
+                  <a:schemeClr val="tx1"/>
+                </a:solidFill>
+                <a:effectLst>
+                  <a:glow>
+                    <a:schemeClr val="accent1">
+                      <a:alpha val="40000"/>
+                    </a:schemeClr>
+                  </a:glow>
+                </a:effectLst>
+              </a:rPr>
+              <a:t>Integration</a:t>
+            </a:r>
+            <a:endParaRPr lang="en-US" b="1" dirty="0">
+              <a:solidFill>
+                <a:schemeClr val="tx1"/>
+              </a:solidFill>
+              <a:effectLst>
+                <a:glow>
+                  <a:schemeClr val="accent1">
+                    <a:alpha val="40000"/>
+                  </a:schemeClr>
+                </a:glow>
+              </a:effectLst>
+            </a:endParaRPr>
+          </a:p>
+        </p:txBody>
+      </p:sp>
+      <p:sp>
+        <p:nvSpPr>
+          <p:cNvPr id="31" name="Rectangle 30"/>
+          <p:cNvSpPr/>
+          <p:nvPr/>
+        </p:nvSpPr>
+        <p:spPr>
+          <a:xfrm rot="1785466">
+            <a:off x="6157501" y="1127573"/>
+            <a:ext cx="2028373" cy="407501"/>
+          </a:xfrm>
+          <a:prstGeom prst="rect">
+            <a:avLst/>
+          </a:prstGeom>
+          <a:solidFill>
+            <a:srgbClr val="FFFF00"/>
+          </a:solidFill>
+        </p:spPr>
+        <p:style>
+          <a:lnRef idx="2">
+            <a:schemeClr val="accent1">
+              <a:shade val="50000"/>
+            </a:schemeClr>
+          </a:lnRef>
+          <a:fillRef idx="1">
+            <a:schemeClr val="accent1"/>
+          </a:fillRef>
+          <a:effectRef idx="0">
+            <a:schemeClr val="accent1"/>
+          </a:effectRef>
+          <a:fontRef idx="minor">
+            <a:schemeClr val="lt1"/>
+          </a:fontRef>
+        </p:style>
+        <p:txBody>
+          <a:bodyPr rtlCol="0" anchor="ctr"/>
+          <a:lstStyle/>
+          <a:p>
+            <a:pPr algn="ctr"/>
+            <a:r>
+              <a:rPr lang="en-US" b="1" dirty="0" smtClean="0">
+                <a:solidFill>
+                  <a:schemeClr val="tx1"/>
+                </a:solidFill>
+              </a:rPr>
+              <a:t>Unit + </a:t>
+            </a:r>
+            <a:r>
+              <a:rPr lang="en-US" b="1" dirty="0" smtClean="0">
+                <a:solidFill>
+                  <a:schemeClr val="tx1"/>
+                </a:solidFill>
+                <a:effectLst>
+                  <a:glow>
+                    <a:schemeClr val="accent1">
+                      <a:alpha val="40000"/>
+                    </a:schemeClr>
+                  </a:glow>
+                </a:effectLst>
+              </a:rPr>
+              <a:t>Integration</a:t>
+            </a:r>
+            <a:endParaRPr lang="en-US" b="1" dirty="0">
+              <a:solidFill>
+                <a:schemeClr val="tx1"/>
+              </a:solidFill>
+              <a:effectLst>
+                <a:glow>
+                  <a:schemeClr val="accent1">
+                    <a:alpha val="40000"/>
+                  </a:schemeClr>
+                </a:glow>
+              </a:effectLst>
+            </a:endParaRPr>
+          </a:p>
+        </p:txBody>
+      </p:sp>
+      <p:sp>
+        <p:nvSpPr>
+          <p:cNvPr id="32" name="Rectangle 31"/>
+          <p:cNvSpPr/>
+          <p:nvPr/>
+        </p:nvSpPr>
+        <p:spPr>
+          <a:xfrm rot="1785466">
+            <a:off x="10262761" y="1085627"/>
+            <a:ext cx="2028373" cy="407501"/>
+          </a:xfrm>
+          <a:prstGeom prst="rect">
+            <a:avLst/>
+          </a:prstGeom>
+          <a:solidFill>
+            <a:srgbClr val="FFFF00"/>
+          </a:solidFill>
+        </p:spPr>
+        <p:style>
+          <a:lnRef idx="2">
+            <a:schemeClr val="accent1">
+              <a:shade val="50000"/>
+            </a:schemeClr>
+          </a:lnRef>
+          <a:fillRef idx="1">
+            <a:schemeClr val="accent1"/>
+          </a:fillRef>
+          <a:effectRef idx="0">
+            <a:schemeClr val="accent1"/>
+          </a:effectRef>
+          <a:fontRef idx="minor">
+            <a:schemeClr val="lt1"/>
+          </a:fontRef>
+        </p:style>
+        <p:txBody>
+          <a:bodyPr rtlCol="0" anchor="ctr"/>
+          <a:lstStyle/>
+          <a:p>
+            <a:pPr algn="ctr"/>
+            <a:r>
+              <a:rPr lang="en-US" b="1" dirty="0" smtClean="0">
+                <a:solidFill>
+                  <a:schemeClr val="tx1"/>
+                </a:solidFill>
+              </a:rPr>
+              <a:t>e2e</a:t>
+            </a:r>
+            <a:endParaRPr lang="en-US" b="1" dirty="0">
+              <a:solidFill>
+                <a:schemeClr val="tx1"/>
+              </a:solidFill>
+              <a:effectLst>
+                <a:glow>
+                  <a:schemeClr val="accent1">
+                    <a:alpha val="40000"/>
+                  </a:schemeClr>
+                </a:glow>
+              </a:effectLst>
+            </a:endParaRPr>
+          </a:p>
+        </p:txBody>
+      </p:sp>
     </p:spTree>
     <p:extLst>
       <p:ext uri="{BB962C8B-B14F-4D97-AF65-F5344CB8AC3E}">
-        <p14:creationId xmlns:p14="http://schemas.microsoft.com/office/powerpoint/2010/main" val="3054321703"/>
+        <p14:creationId xmlns:p14="http://schemas.microsoft.com/office/powerpoint/2010/main" val="1297218462"/>
+      </p:ext>
+    </p:extLst>
+  </p:cSld>
+  <p:clrMapOvr>
+    <a:masterClrMapping/>
+  </p:clrMapOvr>
+</p:sld>
+</file>
+
+<file path=ppt/slides/slide8.xml><?xml version="1.0" encoding="utf-8"?>
+<p:sld xmlns:a="http://schemas.openxmlformats.org/drawingml/2006/main" xmlns:r="http://schemas.openxmlformats.org/officeDocument/2006/relationships" xmlns:p="http://schemas.openxmlformats.org/presentationml/2006/main">
+  <p:cSld>
+    <p:spTree>
+      <p:nvGrpSpPr>
+        <p:cNvPr id="1" name=""/>
+        <p:cNvGrpSpPr/>
+        <p:nvPr/>
+      </p:nvGrpSpPr>
+      <p:grpSpPr>
+        <a:xfrm>
+          <a:off x="0" y="0"/>
+          <a:ext cx="0" cy="0"/>
+          <a:chOff x="0" y="0"/>
+          <a:chExt cx="0" cy="0"/>
+        </a:xfrm>
+      </p:grpSpPr>
+      <p:pic>
+        <p:nvPicPr>
+          <p:cNvPr id="4" name="Picture 3">
+            <a:extLst>
+              <a:ext uri="{FF2B5EF4-FFF2-40B4-BE49-F238E27FC236}">
+                <a16:creationId xmlns:a16="http://schemas.microsoft.com/office/drawing/2014/main" xmlns="" id="{C09DC7F0-B451-4072-A845-7E24A98C6DFA}"/>
+              </a:ext>
+            </a:extLst>
+          </p:cNvPr>
+          <p:cNvPicPr>
+            <a:picLocks noChangeAspect="1"/>
+          </p:cNvPicPr>
+          <p:nvPr/>
+        </p:nvPicPr>
+        <p:blipFill>
+          <a:blip r:embed="rId2">
+            <a:extLst>
+              <a:ext uri="{28A0092B-C50C-407E-A947-70E740481C1C}">
+                <a14:useLocalDpi xmlns:a14="http://schemas.microsoft.com/office/drawing/2010/main" val="0"/>
+              </a:ext>
+            </a:extLst>
+          </a:blip>
+          <a:stretch>
+            <a:fillRect/>
+          </a:stretch>
+        </p:blipFill>
+        <p:spPr>
+          <a:xfrm>
+            <a:off x="0" y="0"/>
+            <a:ext cx="12192000" cy="678180"/>
+          </a:xfrm>
+          <a:prstGeom prst="rect">
+            <a:avLst/>
+          </a:prstGeom>
+        </p:spPr>
+      </p:pic>
+      <p:sp>
+        <p:nvSpPr>
+          <p:cNvPr id="5" name="TextBox 4">
+            <a:extLst>
+              <a:ext uri="{FF2B5EF4-FFF2-40B4-BE49-F238E27FC236}">
+                <a16:creationId xmlns:a16="http://schemas.microsoft.com/office/drawing/2014/main" xmlns="" id="{9DC5F2F3-557F-41AD-AD18-F12E4406CB95}"/>
+              </a:ext>
+            </a:extLst>
+          </p:cNvPr>
+          <p:cNvSpPr txBox="1"/>
+          <p:nvPr/>
+        </p:nvSpPr>
+        <p:spPr>
+          <a:xfrm>
+            <a:off x="285225" y="51460"/>
+            <a:ext cx="6143284" cy="584775"/>
+          </a:xfrm>
+          <a:prstGeom prst="rect">
+            <a:avLst/>
+          </a:prstGeom>
+          <a:noFill/>
+        </p:spPr>
+        <p:txBody>
+          <a:bodyPr wrap="square" rtlCol="0">
+            <a:spAutoFit/>
+          </a:bodyPr>
+          <a:lstStyle/>
+          <a:p>
+            <a:r>
+              <a:rPr lang="en-US" sz="3200" b="1" dirty="0" smtClean="0">
+                <a:solidFill>
+                  <a:schemeClr val="bg1"/>
+                </a:solidFill>
+              </a:rPr>
+              <a:t>05 – </a:t>
+            </a:r>
+            <a:r>
+              <a:rPr lang="en-US" sz="3200" dirty="0" smtClean="0"/>
+              <a:t>What to test?</a:t>
+            </a:r>
+            <a:endParaRPr lang="en-US" sz="3200" b="1" dirty="0">
+              <a:solidFill>
+                <a:schemeClr val="bg1"/>
+              </a:solidFill>
+            </a:endParaRPr>
+          </a:p>
+        </p:txBody>
+      </p:sp>
+      <p:sp>
+        <p:nvSpPr>
+          <p:cNvPr id="3" name="TextBox 2"/>
+          <p:cNvSpPr txBox="1"/>
+          <p:nvPr/>
+        </p:nvSpPr>
+        <p:spPr>
+          <a:xfrm>
+            <a:off x="285225" y="1011380"/>
+            <a:ext cx="11726666" cy="1477328"/>
+          </a:xfrm>
+          <a:prstGeom prst="rect">
+            <a:avLst/>
+          </a:prstGeom>
+          <a:noFill/>
+        </p:spPr>
+        <p:txBody>
+          <a:bodyPr wrap="square" rtlCol="0">
+            <a:spAutoFit/>
+          </a:bodyPr>
+          <a:lstStyle/>
+          <a:p>
+            <a:pPr marL="285750" indent="-285750">
+              <a:buFontTx/>
+              <a:buChar char="-"/>
+            </a:pPr>
+            <a:r>
+              <a:rPr lang="en-US" b="1" dirty="0" smtClean="0"/>
+              <a:t>Test render logic</a:t>
+            </a:r>
+          </a:p>
+          <a:p>
+            <a:pPr marL="742950" lvl="1" indent="-285750">
+              <a:buFontTx/>
+              <a:buChar char="-"/>
+            </a:pPr>
+            <a:r>
+              <a:rPr lang="en-US" b="1" dirty="0" smtClean="0"/>
+              <a:t>It </a:t>
+            </a:r>
+            <a:r>
+              <a:rPr lang="en-US" b="1" dirty="0"/>
+              <a:t>must </a:t>
+            </a:r>
+            <a:r>
+              <a:rPr lang="en-US" b="1" dirty="0" smtClean="0"/>
+              <a:t>render </a:t>
+            </a:r>
+            <a:r>
+              <a:rPr lang="mr-IN" b="1" dirty="0" smtClean="0"/>
+              <a:t>–</a:t>
+            </a:r>
+            <a:r>
+              <a:rPr lang="en-US" b="1" dirty="0" smtClean="0"/>
+              <a:t> component render without error</a:t>
+            </a:r>
+          </a:p>
+          <a:p>
+            <a:pPr marL="742950" lvl="1" indent="-285750">
+              <a:buFontTx/>
+              <a:buChar char="-"/>
+            </a:pPr>
+            <a:r>
+              <a:rPr lang="en-US" b="1" dirty="0" smtClean="0"/>
+              <a:t>Test the output </a:t>
+            </a:r>
+            <a:r>
+              <a:rPr lang="mr-IN" b="1" dirty="0" smtClean="0"/>
+              <a:t>–</a:t>
+            </a:r>
+            <a:r>
+              <a:rPr lang="en-US" b="1" dirty="0" smtClean="0"/>
+              <a:t> render the correct thing</a:t>
+            </a:r>
+          </a:p>
+          <a:p>
+            <a:pPr marL="742950" lvl="1" indent="-285750">
+              <a:buFontTx/>
+              <a:buChar char="-"/>
+            </a:pPr>
+            <a:r>
+              <a:rPr lang="en-US" b="1" dirty="0" smtClean="0"/>
+              <a:t>Test the states/props</a:t>
+            </a:r>
+          </a:p>
+          <a:p>
+            <a:pPr marL="742950" lvl="1" indent="-285750">
+              <a:buFontTx/>
+              <a:buChar char="-"/>
+            </a:pPr>
+            <a:r>
+              <a:rPr lang="en-US" b="1" dirty="0" smtClean="0"/>
+              <a:t>Test the </a:t>
+            </a:r>
+            <a:r>
+              <a:rPr lang="en-US" b="1" dirty="0" smtClean="0"/>
+              <a:t>events</a:t>
+            </a:r>
+            <a:endParaRPr lang="en-US" b="1" dirty="0"/>
+          </a:p>
+        </p:txBody>
+      </p:sp>
+      <p:sp>
+        <p:nvSpPr>
+          <p:cNvPr id="6" name="TextBox 5"/>
+          <p:cNvSpPr txBox="1"/>
+          <p:nvPr/>
+        </p:nvSpPr>
+        <p:spPr>
+          <a:xfrm>
+            <a:off x="285225" y="2821908"/>
+            <a:ext cx="11726666" cy="1754326"/>
+          </a:xfrm>
+          <a:prstGeom prst="rect">
+            <a:avLst/>
+          </a:prstGeom>
+          <a:noFill/>
+        </p:spPr>
+        <p:txBody>
+          <a:bodyPr wrap="square" rtlCol="0">
+            <a:spAutoFit/>
+          </a:bodyPr>
+          <a:lstStyle/>
+          <a:p>
+            <a:pPr marL="285750" indent="-285750">
+              <a:buFontTx/>
+              <a:buChar char="-"/>
+            </a:pPr>
+            <a:r>
+              <a:rPr lang="en-US" b="1" dirty="0" smtClean="0"/>
+              <a:t>Test </a:t>
+            </a:r>
+            <a:r>
+              <a:rPr lang="en-US" b="1" dirty="0" smtClean="0"/>
+              <a:t>redux</a:t>
+            </a:r>
+          </a:p>
+          <a:p>
+            <a:pPr marL="742950" lvl="1" indent="-285750">
+              <a:buFontTx/>
+              <a:buChar char="-"/>
+            </a:pPr>
+            <a:r>
+              <a:rPr lang="en-US" b="1" dirty="0" smtClean="0"/>
+              <a:t>Actions</a:t>
+            </a:r>
+          </a:p>
+          <a:p>
+            <a:pPr marL="1200150" lvl="2" indent="-285750">
+              <a:buFontTx/>
+              <a:buChar char="-"/>
+            </a:pPr>
+            <a:r>
+              <a:rPr lang="en-US" b="1" dirty="0" smtClean="0"/>
+              <a:t>Action Creators is correct</a:t>
+            </a:r>
+          </a:p>
+          <a:p>
+            <a:pPr marL="742950" lvl="1" indent="-285750">
+              <a:buFontTx/>
+              <a:buChar char="-"/>
+            </a:pPr>
+            <a:r>
+              <a:rPr lang="en-US" b="1" dirty="0" smtClean="0"/>
+              <a:t>Reducers</a:t>
+            </a:r>
+            <a:endParaRPr lang="en-US" b="1" dirty="0" smtClean="0"/>
+          </a:p>
+          <a:p>
+            <a:pPr marL="1200150" lvl="2" indent="-285750">
+              <a:buFontTx/>
+              <a:buChar char="-"/>
+            </a:pPr>
+            <a:r>
+              <a:rPr lang="en-US" b="1" dirty="0"/>
+              <a:t>I</a:t>
+            </a:r>
+            <a:r>
+              <a:rPr lang="en-US" b="1" dirty="0" smtClean="0"/>
+              <a:t>nitial state is correct</a:t>
+            </a:r>
+          </a:p>
+          <a:p>
+            <a:pPr marL="1200150" lvl="2" indent="-285750">
+              <a:buFontTx/>
+              <a:buChar char="-"/>
+            </a:pPr>
+            <a:r>
+              <a:rPr lang="en-US" b="1" dirty="0" smtClean="0"/>
+              <a:t>When state change return expected result</a:t>
+            </a:r>
+          </a:p>
+        </p:txBody>
+      </p:sp>
+    </p:spTree>
+    <p:extLst>
+      <p:ext uri="{BB962C8B-B14F-4D97-AF65-F5344CB8AC3E}">
+        <p14:creationId xmlns:p14="http://schemas.microsoft.com/office/powerpoint/2010/main" val="1648001911"/>
+      </p:ext>
+    </p:extLst>
+  </p:cSld>
+  <p:clrMapOvr>
+    <a:masterClrMapping/>
+  </p:clrMapOvr>
+</p:sld>
+</file>
+
+<file path=ppt/slides/slide9.xml><?xml version="1.0" encoding="utf-8"?>
+<p:sld xmlns:a="http://schemas.openxmlformats.org/drawingml/2006/main" xmlns:r="http://schemas.openxmlformats.org/officeDocument/2006/relationships" xmlns:p="http://schemas.openxmlformats.org/presentationml/2006/main">
+  <p:cSld>
+    <p:spTree>
+      <p:nvGrpSpPr>
+        <p:cNvPr id="1" name=""/>
+        <p:cNvGrpSpPr/>
+        <p:nvPr/>
+      </p:nvGrpSpPr>
+      <p:grpSpPr>
+        <a:xfrm>
+          <a:off x="0" y="0"/>
+          <a:ext cx="0" cy="0"/>
+          <a:chOff x="0" y="0"/>
+          <a:chExt cx="0" cy="0"/>
+        </a:xfrm>
+      </p:grpSpPr>
+      <p:pic>
+        <p:nvPicPr>
+          <p:cNvPr id="4" name="Picture 3">
+            <a:extLst>
+              <a:ext uri="{FF2B5EF4-FFF2-40B4-BE49-F238E27FC236}">
+                <a16:creationId xmlns:a16="http://schemas.microsoft.com/office/drawing/2014/main" xmlns="" id="{C09DC7F0-B451-4072-A845-7E24A98C6DFA}"/>
+              </a:ext>
+            </a:extLst>
+          </p:cNvPr>
+          <p:cNvPicPr>
+            <a:picLocks noChangeAspect="1"/>
+          </p:cNvPicPr>
+          <p:nvPr/>
+        </p:nvPicPr>
+        <p:blipFill>
+          <a:blip r:embed="rId2">
+            <a:extLst>
+              <a:ext uri="{28A0092B-C50C-407E-A947-70E740481C1C}">
+                <a14:useLocalDpi xmlns:a14="http://schemas.microsoft.com/office/drawing/2010/main" val="0"/>
+              </a:ext>
+            </a:extLst>
+          </a:blip>
+          <a:stretch>
+            <a:fillRect/>
+          </a:stretch>
+        </p:blipFill>
+        <p:spPr>
+          <a:xfrm>
+            <a:off x="0" y="0"/>
+            <a:ext cx="12192000" cy="678180"/>
+          </a:xfrm>
+          <a:prstGeom prst="rect">
+            <a:avLst/>
+          </a:prstGeom>
+        </p:spPr>
+      </p:pic>
+      <p:sp>
+        <p:nvSpPr>
+          <p:cNvPr id="5" name="TextBox 4">
+            <a:extLst>
+              <a:ext uri="{FF2B5EF4-FFF2-40B4-BE49-F238E27FC236}">
+                <a16:creationId xmlns:a16="http://schemas.microsoft.com/office/drawing/2014/main" xmlns="" id="{9DC5F2F3-557F-41AD-AD18-F12E4406CB95}"/>
+              </a:ext>
+            </a:extLst>
+          </p:cNvPr>
+          <p:cNvSpPr txBox="1"/>
+          <p:nvPr/>
+        </p:nvSpPr>
+        <p:spPr>
+          <a:xfrm>
+            <a:off x="285225" y="51460"/>
+            <a:ext cx="6143284" cy="584775"/>
+          </a:xfrm>
+          <a:prstGeom prst="rect">
+            <a:avLst/>
+          </a:prstGeom>
+          <a:noFill/>
+        </p:spPr>
+        <p:txBody>
+          <a:bodyPr wrap="square" rtlCol="0">
+            <a:spAutoFit/>
+          </a:bodyPr>
+          <a:lstStyle/>
+          <a:p>
+            <a:r>
+              <a:rPr lang="en-US" sz="3200" b="1" dirty="0" smtClean="0">
+                <a:solidFill>
+                  <a:schemeClr val="bg1"/>
+                </a:solidFill>
+              </a:rPr>
+              <a:t>05 – </a:t>
+            </a:r>
+            <a:r>
+              <a:rPr lang="en-US" sz="3200" dirty="0" smtClean="0"/>
+              <a:t>What not to test?</a:t>
+            </a:r>
+            <a:endParaRPr lang="en-US" sz="3200" b="1" dirty="0">
+              <a:solidFill>
+                <a:schemeClr val="bg1"/>
+              </a:solidFill>
+            </a:endParaRPr>
+          </a:p>
+        </p:txBody>
+      </p:sp>
+      <p:sp>
+        <p:nvSpPr>
+          <p:cNvPr id="3" name="TextBox 2"/>
+          <p:cNvSpPr txBox="1"/>
+          <p:nvPr/>
+        </p:nvSpPr>
+        <p:spPr>
+          <a:xfrm>
+            <a:off x="285225" y="1011380"/>
+            <a:ext cx="11726666" cy="646331"/>
+          </a:xfrm>
+          <a:prstGeom prst="rect">
+            <a:avLst/>
+          </a:prstGeom>
+          <a:noFill/>
+        </p:spPr>
+        <p:txBody>
+          <a:bodyPr wrap="square" rtlCol="0">
+            <a:spAutoFit/>
+          </a:bodyPr>
+          <a:lstStyle/>
+          <a:p>
+            <a:pPr marL="285750" indent="-285750">
+              <a:buFontTx/>
+              <a:buChar char="-"/>
+            </a:pPr>
+            <a:r>
+              <a:rPr lang="en-US" b="1" dirty="0" smtClean="0"/>
+              <a:t>Third party libraries</a:t>
+            </a:r>
+          </a:p>
+          <a:p>
+            <a:pPr marL="285750" indent="-285750">
+              <a:buFontTx/>
+              <a:buChar char="-"/>
+            </a:pPr>
+            <a:r>
+              <a:rPr lang="en-US" b="1" dirty="0" smtClean="0"/>
+              <a:t>Do not test implementation details such as names of functions and variables</a:t>
+            </a:r>
+          </a:p>
+        </p:txBody>
+      </p:sp>
+    </p:spTree>
+    <p:extLst>
+      <p:ext uri="{BB962C8B-B14F-4D97-AF65-F5344CB8AC3E}">
+        <p14:creationId xmlns:p14="http://schemas.microsoft.com/office/powerpoint/2010/main" val="711199301"/>
       </p:ext>
     </p:extLst>
   </p:cSld>
